--- a/resources/Scherptediepte.pptx
+++ b/resources/Scherptediepte.pptx
@@ -6,6 +6,10 @@
   </p:sldMasterIdLst>
   <p:sldIdLst>
     <p:sldId id="256" r:id="rId2"/>
+    <p:sldId id="257" r:id="rId3"/>
+    <p:sldId id="258" r:id="rId4"/>
+    <p:sldId id="259" r:id="rId5"/>
+    <p:sldId id="260" r:id="rId6"/>
   </p:sldIdLst>
   <p:sldSz cx="12192000" cy="6858000"/>
   <p:notesSz cx="6858000" cy="9144000"/>
@@ -104,6 +108,11 @@
       </a:defRPr>
     </a:lvl9pPr>
   </p:defaultTextStyle>
+  <p:extLst>
+    <p:ext uri="{EFAFB233-063F-42B5-8137-9DF3F51BA10A}">
+      <p15:sldGuideLst xmlns:p15="http://schemas.microsoft.com/office/powerpoint/2012/main"/>
+    </p:ext>
+  </p:extLst>
 </p:presentation>
 </file>
 
@@ -238,7 +247,7 @@
           <a:p>
             <a:fld id="{BB6A3C30-06BD-43CD-B33B-BF4648B77802}" type="datetimeFigureOut">
               <a:rPr lang="en-US" smtClean="0"/>
-              <a:t>10/04/2016</a:t>
+              <a:t>10/10/2016</a:t>
             </a:fld>
             <a:endParaRPr lang="en-US"/>
           </a:p>
@@ -408,7 +417,7 @@
           <a:p>
             <a:fld id="{BB6A3C30-06BD-43CD-B33B-BF4648B77802}" type="datetimeFigureOut">
               <a:rPr lang="en-US" smtClean="0"/>
-              <a:t>10/04/2016</a:t>
+              <a:t>10/10/2016</a:t>
             </a:fld>
             <a:endParaRPr lang="en-US"/>
           </a:p>
@@ -588,7 +597,7 @@
           <a:p>
             <a:fld id="{BB6A3C30-06BD-43CD-B33B-BF4648B77802}" type="datetimeFigureOut">
               <a:rPr lang="en-US" smtClean="0"/>
-              <a:t>10/04/2016</a:t>
+              <a:t>10/10/2016</a:t>
             </a:fld>
             <a:endParaRPr lang="en-US"/>
           </a:p>
@@ -758,7 +767,7 @@
           <a:p>
             <a:fld id="{BB6A3C30-06BD-43CD-B33B-BF4648B77802}" type="datetimeFigureOut">
               <a:rPr lang="en-US" smtClean="0"/>
-              <a:t>10/04/2016</a:t>
+              <a:t>10/10/2016</a:t>
             </a:fld>
             <a:endParaRPr lang="en-US"/>
           </a:p>
@@ -1004,7 +1013,7 @@
           <a:p>
             <a:fld id="{BB6A3C30-06BD-43CD-B33B-BF4648B77802}" type="datetimeFigureOut">
               <a:rPr lang="en-US" smtClean="0"/>
-              <a:t>10/04/2016</a:t>
+              <a:t>10/10/2016</a:t>
             </a:fld>
             <a:endParaRPr lang="en-US"/>
           </a:p>
@@ -1236,7 +1245,7 @@
           <a:p>
             <a:fld id="{BB6A3C30-06BD-43CD-B33B-BF4648B77802}" type="datetimeFigureOut">
               <a:rPr lang="en-US" smtClean="0"/>
-              <a:t>10/04/2016</a:t>
+              <a:t>10/10/2016</a:t>
             </a:fld>
             <a:endParaRPr lang="en-US"/>
           </a:p>
@@ -1603,7 +1612,7 @@
           <a:p>
             <a:fld id="{BB6A3C30-06BD-43CD-B33B-BF4648B77802}" type="datetimeFigureOut">
               <a:rPr lang="en-US" smtClean="0"/>
-              <a:t>10/04/2016</a:t>
+              <a:t>10/10/2016</a:t>
             </a:fld>
             <a:endParaRPr lang="en-US"/>
           </a:p>
@@ -1721,7 +1730,7 @@
           <a:p>
             <a:fld id="{BB6A3C30-06BD-43CD-B33B-BF4648B77802}" type="datetimeFigureOut">
               <a:rPr lang="en-US" smtClean="0"/>
-              <a:t>10/04/2016</a:t>
+              <a:t>10/10/2016</a:t>
             </a:fld>
             <a:endParaRPr lang="en-US"/>
           </a:p>
@@ -1816,7 +1825,7 @@
           <a:p>
             <a:fld id="{BB6A3C30-06BD-43CD-B33B-BF4648B77802}" type="datetimeFigureOut">
               <a:rPr lang="en-US" smtClean="0"/>
-              <a:t>10/04/2016</a:t>
+              <a:t>10/10/2016</a:t>
             </a:fld>
             <a:endParaRPr lang="en-US"/>
           </a:p>
@@ -2093,7 +2102,7 @@
           <a:p>
             <a:fld id="{BB6A3C30-06BD-43CD-B33B-BF4648B77802}" type="datetimeFigureOut">
               <a:rPr lang="en-US" smtClean="0"/>
-              <a:t>10/04/2016</a:t>
+              <a:t>10/10/2016</a:t>
             </a:fld>
             <a:endParaRPr lang="en-US"/>
           </a:p>
@@ -2346,7 +2355,7 @@
           <a:p>
             <a:fld id="{BB6A3C30-06BD-43CD-B33B-BF4648B77802}" type="datetimeFigureOut">
               <a:rPr lang="en-US" smtClean="0"/>
-              <a:t>10/04/2016</a:t>
+              <a:t>10/10/2016</a:t>
             </a:fld>
             <a:endParaRPr lang="en-US"/>
           </a:p>
@@ -2559,7 +2568,7 @@
           <a:p>
             <a:fld id="{BB6A3C30-06BD-43CD-B33B-BF4648B77802}" type="datetimeFigureOut">
               <a:rPr lang="en-US" smtClean="0"/>
-              <a:t>10/04/2016</a:t>
+              <a:t>10/10/2016</a:t>
             </a:fld>
             <a:endParaRPr lang="en-US"/>
           </a:p>
@@ -4117,6 +4126,4932 @@
 </p:sld>
 </file>
 
+<file path=ppt/slides/slide2.xml><?xml version="1.0" encoding="utf-8"?>
+<p:sld xmlns:a="http://schemas.openxmlformats.org/drawingml/2006/main" xmlns:r="http://schemas.openxmlformats.org/officeDocument/2006/relationships" xmlns:p="http://schemas.openxmlformats.org/presentationml/2006/main">
+  <p:cSld>
+    <p:spTree>
+      <p:nvGrpSpPr>
+        <p:cNvPr id="1" name=""/>
+        <p:cNvGrpSpPr/>
+        <p:nvPr/>
+      </p:nvGrpSpPr>
+      <p:grpSpPr>
+        <a:xfrm>
+          <a:off x="0" y="0"/>
+          <a:ext cx="0" cy="0"/>
+          <a:chOff x="0" y="0"/>
+          <a:chExt cx="0" cy="0"/>
+        </a:xfrm>
+      </p:grpSpPr>
+      <p:grpSp>
+        <p:nvGrpSpPr>
+          <p:cNvPr id="23" name="Group 22"/>
+          <p:cNvGrpSpPr/>
+          <p:nvPr/>
+        </p:nvGrpSpPr>
+        <p:grpSpPr>
+          <a:xfrm>
+            <a:off x="4961170" y="3478357"/>
+            <a:ext cx="1285238" cy="2115619"/>
+            <a:chOff x="4563292" y="2177143"/>
+            <a:chExt cx="2116182" cy="3483428"/>
+          </a:xfrm>
+        </p:grpSpPr>
+        <p:sp>
+          <p:nvSpPr>
+            <p:cNvPr id="4" name="Smiley Face 3"/>
+            <p:cNvSpPr/>
+            <p:nvPr/>
+          </p:nvSpPr>
+          <p:spPr>
+            <a:xfrm>
+              <a:off x="5233852" y="2177143"/>
+              <a:ext cx="818605" cy="775063"/>
+            </a:xfrm>
+            <a:prstGeom prst="smileyFace">
+              <a:avLst/>
+            </a:prstGeom>
+            <a:ln w="38100">
+              <a:solidFill>
+                <a:schemeClr val="accent1">
+                  <a:lumMod val="75000"/>
+                </a:schemeClr>
+              </a:solidFill>
+            </a:ln>
+          </p:spPr>
+          <p:style>
+            <a:lnRef idx="2">
+              <a:schemeClr val="accent5"/>
+            </a:lnRef>
+            <a:fillRef idx="1">
+              <a:schemeClr val="lt1"/>
+            </a:fillRef>
+            <a:effectRef idx="0">
+              <a:schemeClr val="accent5"/>
+            </a:effectRef>
+            <a:fontRef idx="minor">
+              <a:schemeClr val="dk1"/>
+            </a:fontRef>
+          </p:style>
+          <p:txBody>
+            <a:bodyPr rtlCol="0" anchor="ctr"/>
+            <a:lstStyle/>
+            <a:p>
+              <a:pPr algn="ctr"/>
+              <a:endParaRPr lang="en-US"/>
+            </a:p>
+          </p:txBody>
+        </p:sp>
+        <p:cxnSp>
+          <p:nvCxnSpPr>
+            <p:cNvPr id="7" name="Straight Connector 6"/>
+            <p:cNvCxnSpPr>
+              <a:stCxn id="4" idx="4"/>
+            </p:cNvCxnSpPr>
+            <p:nvPr/>
+          </p:nvCxnSpPr>
+          <p:spPr>
+            <a:xfrm flipH="1">
+              <a:off x="5643154" y="2952206"/>
+              <a:ext cx="1" cy="1428205"/>
+            </a:xfrm>
+            <a:prstGeom prst="line">
+              <a:avLst/>
+            </a:prstGeom>
+            <a:ln w="38100">
+              <a:solidFill>
+                <a:schemeClr val="accent1">
+                  <a:lumMod val="75000"/>
+                </a:schemeClr>
+              </a:solidFill>
+            </a:ln>
+          </p:spPr>
+          <p:style>
+            <a:lnRef idx="1">
+              <a:schemeClr val="accent1"/>
+            </a:lnRef>
+            <a:fillRef idx="0">
+              <a:schemeClr val="accent1"/>
+            </a:fillRef>
+            <a:effectRef idx="0">
+              <a:schemeClr val="accent1"/>
+            </a:effectRef>
+            <a:fontRef idx="minor">
+              <a:schemeClr val="tx1"/>
+            </a:fontRef>
+          </p:style>
+        </p:cxnSp>
+        <p:cxnSp>
+          <p:nvCxnSpPr>
+            <p:cNvPr id="11" name="Straight Connector 10"/>
+            <p:cNvCxnSpPr/>
+            <p:nvPr/>
+          </p:nvCxnSpPr>
+          <p:spPr>
+            <a:xfrm flipH="1">
+              <a:off x="5103223" y="4362994"/>
+              <a:ext cx="539931" cy="1297577"/>
+            </a:xfrm>
+            <a:prstGeom prst="line">
+              <a:avLst/>
+            </a:prstGeom>
+            <a:ln w="38100">
+              <a:solidFill>
+                <a:schemeClr val="accent1">
+                  <a:lumMod val="75000"/>
+                </a:schemeClr>
+              </a:solidFill>
+            </a:ln>
+          </p:spPr>
+          <p:style>
+            <a:lnRef idx="1">
+              <a:schemeClr val="accent1"/>
+            </a:lnRef>
+            <a:fillRef idx="0">
+              <a:schemeClr val="accent1"/>
+            </a:fillRef>
+            <a:effectRef idx="0">
+              <a:schemeClr val="accent1"/>
+            </a:effectRef>
+            <a:fontRef idx="minor">
+              <a:schemeClr val="tx1"/>
+            </a:fontRef>
+          </p:style>
+        </p:cxnSp>
+        <p:cxnSp>
+          <p:nvCxnSpPr>
+            <p:cNvPr id="13" name="Straight Connector 12"/>
+            <p:cNvCxnSpPr/>
+            <p:nvPr/>
+          </p:nvCxnSpPr>
+          <p:spPr>
+            <a:xfrm flipV="1">
+              <a:off x="5643154" y="3143794"/>
+              <a:ext cx="1036320" cy="304800"/>
+            </a:xfrm>
+            <a:prstGeom prst="line">
+              <a:avLst/>
+            </a:prstGeom>
+            <a:ln w="38100">
+              <a:solidFill>
+                <a:schemeClr val="accent1">
+                  <a:lumMod val="75000"/>
+                </a:schemeClr>
+              </a:solidFill>
+            </a:ln>
+          </p:spPr>
+          <p:style>
+            <a:lnRef idx="1">
+              <a:schemeClr val="accent1"/>
+            </a:lnRef>
+            <a:fillRef idx="0">
+              <a:schemeClr val="accent1"/>
+            </a:fillRef>
+            <a:effectRef idx="0">
+              <a:schemeClr val="accent1"/>
+            </a:effectRef>
+            <a:fontRef idx="minor">
+              <a:schemeClr val="tx1"/>
+            </a:fontRef>
+          </p:style>
+        </p:cxnSp>
+        <p:cxnSp>
+          <p:nvCxnSpPr>
+            <p:cNvPr id="15" name="Straight Connector 14"/>
+            <p:cNvCxnSpPr/>
+            <p:nvPr/>
+          </p:nvCxnSpPr>
+          <p:spPr>
+            <a:xfrm flipH="1" flipV="1">
+              <a:off x="4563292" y="3102428"/>
+              <a:ext cx="1079862" cy="346166"/>
+            </a:xfrm>
+            <a:prstGeom prst="line">
+              <a:avLst/>
+            </a:prstGeom>
+            <a:ln w="38100">
+              <a:solidFill>
+                <a:schemeClr val="accent1">
+                  <a:lumMod val="75000"/>
+                </a:schemeClr>
+              </a:solidFill>
+            </a:ln>
+          </p:spPr>
+          <p:style>
+            <a:lnRef idx="1">
+              <a:schemeClr val="accent1"/>
+            </a:lnRef>
+            <a:fillRef idx="0">
+              <a:schemeClr val="accent1"/>
+            </a:fillRef>
+            <a:effectRef idx="0">
+              <a:schemeClr val="accent1"/>
+            </a:effectRef>
+            <a:fontRef idx="minor">
+              <a:schemeClr val="tx1"/>
+            </a:fontRef>
+          </p:style>
+        </p:cxnSp>
+        <p:cxnSp>
+          <p:nvCxnSpPr>
+            <p:cNvPr id="19" name="Straight Connector 18"/>
+            <p:cNvCxnSpPr/>
+            <p:nvPr/>
+          </p:nvCxnSpPr>
+          <p:spPr>
+            <a:xfrm>
+              <a:off x="5643154" y="4362994"/>
+              <a:ext cx="518160" cy="1297577"/>
+            </a:xfrm>
+            <a:prstGeom prst="line">
+              <a:avLst/>
+            </a:prstGeom>
+            <a:ln w="38100">
+              <a:solidFill>
+                <a:schemeClr val="accent1">
+                  <a:lumMod val="75000"/>
+                </a:schemeClr>
+              </a:solidFill>
+            </a:ln>
+          </p:spPr>
+          <p:style>
+            <a:lnRef idx="1">
+              <a:schemeClr val="accent1"/>
+            </a:lnRef>
+            <a:fillRef idx="0">
+              <a:schemeClr val="accent1"/>
+            </a:fillRef>
+            <a:effectRef idx="0">
+              <a:schemeClr val="accent1"/>
+            </a:effectRef>
+            <a:fontRef idx="minor">
+              <a:schemeClr val="tx1"/>
+            </a:fontRef>
+          </p:style>
+        </p:cxnSp>
+      </p:grpSp>
+      <p:sp>
+        <p:nvSpPr>
+          <p:cNvPr id="22" name="Isosceles Triangle 21"/>
+          <p:cNvSpPr/>
+          <p:nvPr/>
+        </p:nvSpPr>
+        <p:spPr>
+          <a:xfrm rot="16200000">
+            <a:off x="534586" y="3249471"/>
+            <a:ext cx="718688" cy="1098368"/>
+          </a:xfrm>
+          <a:prstGeom prst="triangle">
+            <a:avLst/>
+          </a:prstGeom>
+        </p:spPr>
+        <p:style>
+          <a:lnRef idx="1">
+            <a:schemeClr val="dk1"/>
+          </a:lnRef>
+          <a:fillRef idx="2">
+            <a:schemeClr val="dk1"/>
+          </a:fillRef>
+          <a:effectRef idx="1">
+            <a:schemeClr val="dk1"/>
+          </a:effectRef>
+          <a:fontRef idx="minor">
+            <a:schemeClr val="dk1"/>
+          </a:fontRef>
+        </p:style>
+        <p:txBody>
+          <a:bodyPr rtlCol="0" anchor="ctr"/>
+          <a:lstStyle/>
+          <a:p>
+            <a:pPr algn="ctr"/>
+            <a:endParaRPr lang="en-US"/>
+          </a:p>
+        </p:txBody>
+      </p:sp>
+      <p:sp>
+        <p:nvSpPr>
+          <p:cNvPr id="24" name="Oval 23"/>
+          <p:cNvSpPr/>
+          <p:nvPr/>
+        </p:nvSpPr>
+        <p:spPr>
+          <a:xfrm>
+            <a:off x="8141482" y="699246"/>
+            <a:ext cx="2887385" cy="3533119"/>
+          </a:xfrm>
+          <a:prstGeom prst="ellipse">
+            <a:avLst/>
+          </a:prstGeom>
+          <a:ln w="38100"/>
+        </p:spPr>
+        <p:style>
+          <a:lnRef idx="1">
+            <a:schemeClr val="accent6"/>
+          </a:lnRef>
+          <a:fillRef idx="2">
+            <a:schemeClr val="accent6"/>
+          </a:fillRef>
+          <a:effectRef idx="1">
+            <a:schemeClr val="accent6"/>
+          </a:effectRef>
+          <a:fontRef idx="minor">
+            <a:schemeClr val="dk1"/>
+          </a:fontRef>
+        </p:style>
+        <p:txBody>
+          <a:bodyPr rtlCol="0" anchor="ctr"/>
+          <a:lstStyle/>
+          <a:p>
+            <a:pPr algn="ctr"/>
+            <a:endParaRPr lang="en-US"/>
+          </a:p>
+        </p:txBody>
+      </p:sp>
+      <p:sp>
+        <p:nvSpPr>
+          <p:cNvPr id="25" name="Oval 24"/>
+          <p:cNvSpPr/>
+          <p:nvPr/>
+        </p:nvSpPr>
+        <p:spPr>
+          <a:xfrm>
+            <a:off x="10406827" y="505094"/>
+            <a:ext cx="1519361" cy="4136572"/>
+          </a:xfrm>
+          <a:prstGeom prst="ellipse">
+            <a:avLst/>
+          </a:prstGeom>
+          <a:ln w="38100"/>
+        </p:spPr>
+        <p:style>
+          <a:lnRef idx="1">
+            <a:schemeClr val="accent6"/>
+          </a:lnRef>
+          <a:fillRef idx="2">
+            <a:schemeClr val="accent6"/>
+          </a:fillRef>
+          <a:effectRef idx="1">
+            <a:schemeClr val="accent6"/>
+          </a:effectRef>
+          <a:fontRef idx="minor">
+            <a:schemeClr val="dk1"/>
+          </a:fontRef>
+        </p:style>
+        <p:txBody>
+          <a:bodyPr rtlCol="0" anchor="ctr"/>
+          <a:lstStyle/>
+          <a:p>
+            <a:pPr algn="ctr"/>
+            <a:endParaRPr lang="en-US"/>
+          </a:p>
+        </p:txBody>
+      </p:sp>
+      <p:cxnSp>
+        <p:nvCxnSpPr>
+          <p:cNvPr id="28" name="Straight Connector 27"/>
+          <p:cNvCxnSpPr>
+            <a:stCxn id="26" idx="4"/>
+          </p:cNvCxnSpPr>
+          <p:nvPr/>
+        </p:nvCxnSpPr>
+        <p:spPr>
+          <a:xfrm>
+            <a:off x="2980465" y="5296743"/>
+            <a:ext cx="0" cy="286870"/>
+          </a:xfrm>
+          <a:prstGeom prst="line">
+            <a:avLst/>
+          </a:prstGeom>
+          <a:ln w="38100">
+            <a:solidFill>
+              <a:srgbClr val="00B050"/>
+            </a:solidFill>
+          </a:ln>
+        </p:spPr>
+        <p:style>
+          <a:lnRef idx="1">
+            <a:schemeClr val="accent2"/>
+          </a:lnRef>
+          <a:fillRef idx="0">
+            <a:schemeClr val="accent2"/>
+          </a:fillRef>
+          <a:effectRef idx="0">
+            <a:schemeClr val="accent2"/>
+          </a:effectRef>
+          <a:fontRef idx="minor">
+            <a:schemeClr val="tx1"/>
+          </a:fontRef>
+        </p:style>
+      </p:cxnSp>
+      <p:cxnSp>
+        <p:nvCxnSpPr>
+          <p:cNvPr id="33" name="Straight Connector 32"/>
+          <p:cNvCxnSpPr>
+            <a:stCxn id="24" idx="4"/>
+          </p:cNvCxnSpPr>
+          <p:nvPr/>
+        </p:nvCxnSpPr>
+        <p:spPr>
+          <a:xfrm flipH="1">
+            <a:off x="9582075" y="4232365"/>
+            <a:ext cx="3100" cy="1361611"/>
+          </a:xfrm>
+          <a:prstGeom prst="line">
+            <a:avLst/>
+          </a:prstGeom>
+          <a:ln w="38100">
+            <a:solidFill>
+              <a:schemeClr val="accent2">
+                <a:lumMod val="75000"/>
+              </a:schemeClr>
+            </a:solidFill>
+          </a:ln>
+        </p:spPr>
+        <p:style>
+          <a:lnRef idx="1">
+            <a:schemeClr val="accent2"/>
+          </a:lnRef>
+          <a:fillRef idx="0">
+            <a:schemeClr val="accent2"/>
+          </a:fillRef>
+          <a:effectRef idx="0">
+            <a:schemeClr val="accent2"/>
+          </a:effectRef>
+          <a:fontRef idx="minor">
+            <a:schemeClr val="tx1"/>
+          </a:fontRef>
+        </p:style>
+      </p:cxnSp>
+      <p:cxnSp>
+        <p:nvCxnSpPr>
+          <p:cNvPr id="40" name="Straight Connector 39"/>
+          <p:cNvCxnSpPr>
+            <a:stCxn id="25" idx="4"/>
+          </p:cNvCxnSpPr>
+          <p:nvPr/>
+        </p:nvCxnSpPr>
+        <p:spPr>
+          <a:xfrm flipH="1">
+            <a:off x="11166507" y="4641666"/>
+            <a:ext cx="1" cy="952310"/>
+          </a:xfrm>
+          <a:prstGeom prst="line">
+            <a:avLst/>
+          </a:prstGeom>
+          <a:ln w="38100">
+            <a:solidFill>
+              <a:schemeClr val="accent2">
+                <a:lumMod val="75000"/>
+              </a:schemeClr>
+            </a:solidFill>
+          </a:ln>
+        </p:spPr>
+        <p:style>
+          <a:lnRef idx="1">
+            <a:schemeClr val="accent2"/>
+          </a:lnRef>
+          <a:fillRef idx="0">
+            <a:schemeClr val="accent2"/>
+          </a:fillRef>
+          <a:effectRef idx="0">
+            <a:schemeClr val="accent2"/>
+          </a:effectRef>
+          <a:fontRef idx="minor">
+            <a:schemeClr val="tx1"/>
+          </a:fontRef>
+        </p:style>
+      </p:cxnSp>
+      <p:sp>
+        <p:nvSpPr>
+          <p:cNvPr id="43" name="TextBox 42"/>
+          <p:cNvSpPr txBox="1"/>
+          <p:nvPr/>
+        </p:nvSpPr>
+        <p:spPr>
+          <a:xfrm>
+            <a:off x="457395" y="5880847"/>
+            <a:ext cx="985719" cy="400110"/>
+          </a:xfrm>
+          <a:prstGeom prst="rect">
+            <a:avLst/>
+          </a:prstGeom>
+          <a:noFill/>
+        </p:spPr>
+        <p:txBody>
+          <a:bodyPr wrap="none" rtlCol="0">
+            <a:spAutoFit/>
+          </a:bodyPr>
+          <a:lstStyle/>
+          <a:p>
+            <a:r>
+              <a:rPr lang="en-US" sz="2000" dirty="0" smtClean="0"/>
+              <a:t>Camera</a:t>
+            </a:r>
+            <a:endParaRPr lang="en-US" sz="2000" dirty="0"/>
+          </a:p>
+        </p:txBody>
+      </p:sp>
+      <p:sp>
+        <p:nvSpPr>
+          <p:cNvPr id="44" name="TextBox 43"/>
+          <p:cNvSpPr txBox="1"/>
+          <p:nvPr/>
+        </p:nvSpPr>
+        <p:spPr>
+          <a:xfrm>
+            <a:off x="4988563" y="5880847"/>
+            <a:ext cx="1376402" cy="400110"/>
+          </a:xfrm>
+          <a:prstGeom prst="rect">
+            <a:avLst/>
+          </a:prstGeom>
+          <a:noFill/>
+        </p:spPr>
+        <p:txBody>
+          <a:bodyPr wrap="none" rtlCol="0">
+            <a:spAutoFit/>
+          </a:bodyPr>
+          <a:lstStyle/>
+          <a:p>
+            <a:r>
+              <a:rPr lang="en-US" sz="2000" dirty="0" smtClean="0"/>
+              <a:t>Onderwerp</a:t>
+            </a:r>
+            <a:endParaRPr lang="en-US" sz="2000" dirty="0"/>
+          </a:p>
+        </p:txBody>
+      </p:sp>
+      <p:sp>
+        <p:nvSpPr>
+          <p:cNvPr id="45" name="TextBox 44"/>
+          <p:cNvSpPr txBox="1"/>
+          <p:nvPr/>
+        </p:nvSpPr>
+        <p:spPr>
+          <a:xfrm>
+            <a:off x="9168832" y="5877587"/>
+            <a:ext cx="1483163" cy="400110"/>
+          </a:xfrm>
+          <a:prstGeom prst="rect">
+            <a:avLst/>
+          </a:prstGeom>
+          <a:noFill/>
+        </p:spPr>
+        <p:txBody>
+          <a:bodyPr wrap="none" rtlCol="0">
+            <a:spAutoFit/>
+          </a:bodyPr>
+          <a:lstStyle/>
+          <a:p>
+            <a:r>
+              <a:rPr lang="en-US" sz="2000" dirty="0" smtClean="0"/>
+              <a:t>Achtergrond</a:t>
+            </a:r>
+            <a:endParaRPr lang="en-US" sz="2000" dirty="0"/>
+          </a:p>
+        </p:txBody>
+      </p:sp>
+      <p:cxnSp>
+        <p:nvCxnSpPr>
+          <p:cNvPr id="47" name="Straight Connector 46"/>
+          <p:cNvCxnSpPr/>
+          <p:nvPr/>
+        </p:nvCxnSpPr>
+        <p:spPr>
+          <a:xfrm>
+            <a:off x="5070949" y="1936376"/>
+            <a:ext cx="0" cy="3657600"/>
+          </a:xfrm>
+          <a:prstGeom prst="line">
+            <a:avLst/>
+          </a:prstGeom>
+          <a:ln w="38100">
+            <a:solidFill>
+              <a:schemeClr val="tx1"/>
+            </a:solidFill>
+            <a:prstDash val="dash"/>
+          </a:ln>
+        </p:spPr>
+        <p:style>
+          <a:lnRef idx="1">
+            <a:schemeClr val="accent1"/>
+          </a:lnRef>
+          <a:fillRef idx="0">
+            <a:schemeClr val="accent1"/>
+          </a:fillRef>
+          <a:effectRef idx="0">
+            <a:schemeClr val="accent1"/>
+          </a:effectRef>
+          <a:fontRef idx="minor">
+            <a:schemeClr val="tx1"/>
+          </a:fontRef>
+        </p:style>
+      </p:cxnSp>
+      <p:cxnSp>
+        <p:nvCxnSpPr>
+          <p:cNvPr id="49" name="Straight Connector 48"/>
+          <p:cNvCxnSpPr/>
+          <p:nvPr/>
+        </p:nvCxnSpPr>
+        <p:spPr>
+          <a:xfrm>
+            <a:off x="6076281" y="1936376"/>
+            <a:ext cx="0" cy="3657600"/>
+          </a:xfrm>
+          <a:prstGeom prst="line">
+            <a:avLst/>
+          </a:prstGeom>
+          <a:ln w="38100">
+            <a:solidFill>
+              <a:schemeClr val="tx1"/>
+            </a:solidFill>
+            <a:prstDash val="dash"/>
+          </a:ln>
+        </p:spPr>
+        <p:style>
+          <a:lnRef idx="1">
+            <a:schemeClr val="accent1"/>
+          </a:lnRef>
+          <a:fillRef idx="0">
+            <a:schemeClr val="accent1"/>
+          </a:fillRef>
+          <a:effectRef idx="0">
+            <a:schemeClr val="accent1"/>
+          </a:effectRef>
+          <a:fontRef idx="minor">
+            <a:schemeClr val="tx1"/>
+          </a:fontRef>
+        </p:style>
+      </p:cxnSp>
+      <p:sp>
+        <p:nvSpPr>
+          <p:cNvPr id="50" name="Left Brace 49"/>
+          <p:cNvSpPr/>
+          <p:nvPr/>
+        </p:nvSpPr>
+        <p:spPr>
+          <a:xfrm rot="5400000">
+            <a:off x="5379515" y="1031663"/>
+            <a:ext cx="394447" cy="1011580"/>
+          </a:xfrm>
+          <a:prstGeom prst="leftBrace">
+            <a:avLst>
+              <a:gd name="adj1" fmla="val 58333"/>
+              <a:gd name="adj2" fmla="val 50838"/>
+            </a:avLst>
+          </a:prstGeom>
+          <a:ln w="38100">
+            <a:solidFill>
+              <a:schemeClr val="tx1"/>
+            </a:solidFill>
+          </a:ln>
+        </p:spPr>
+        <p:style>
+          <a:lnRef idx="1">
+            <a:schemeClr val="accent1"/>
+          </a:lnRef>
+          <a:fillRef idx="0">
+            <a:schemeClr val="accent1"/>
+          </a:fillRef>
+          <a:effectRef idx="0">
+            <a:schemeClr val="accent1"/>
+          </a:effectRef>
+          <a:fontRef idx="minor">
+            <a:schemeClr val="tx1"/>
+          </a:fontRef>
+        </p:style>
+        <p:txBody>
+          <a:bodyPr rtlCol="0" anchor="ctr"/>
+          <a:lstStyle/>
+          <a:p>
+            <a:pPr algn="ctr"/>
+            <a:endParaRPr lang="en-US"/>
+          </a:p>
+        </p:txBody>
+      </p:sp>
+      <p:sp>
+        <p:nvSpPr>
+          <p:cNvPr id="55" name="TextBox 54"/>
+          <p:cNvSpPr txBox="1"/>
+          <p:nvPr/>
+        </p:nvSpPr>
+        <p:spPr>
+          <a:xfrm>
+            <a:off x="1443114" y="2036473"/>
+            <a:ext cx="1484381" cy="400110"/>
+          </a:xfrm>
+          <a:prstGeom prst="rect">
+            <a:avLst/>
+          </a:prstGeom>
+          <a:noFill/>
+        </p:spPr>
+        <p:txBody>
+          <a:bodyPr wrap="none" rtlCol="0">
+            <a:spAutoFit/>
+          </a:bodyPr>
+          <a:lstStyle/>
+          <a:p>
+            <a:r>
+              <a:rPr lang="en-US" sz="2000" dirty="0" smtClean="0"/>
+              <a:t>Niet in focus</a:t>
+            </a:r>
+            <a:endParaRPr lang="en-US" sz="2000" dirty="0"/>
+          </a:p>
+        </p:txBody>
+      </p:sp>
+      <p:sp>
+        <p:nvSpPr>
+          <p:cNvPr id="56" name="TextBox 55"/>
+          <p:cNvSpPr txBox="1"/>
+          <p:nvPr/>
+        </p:nvSpPr>
+        <p:spPr>
+          <a:xfrm>
+            <a:off x="4727889" y="582582"/>
+            <a:ext cx="2478755" cy="400110"/>
+          </a:xfrm>
+          <a:prstGeom prst="rect">
+            <a:avLst/>
+          </a:prstGeom>
+          <a:noFill/>
+        </p:spPr>
+        <p:txBody>
+          <a:bodyPr wrap="none" rtlCol="0">
+            <a:spAutoFit/>
+          </a:bodyPr>
+          <a:lstStyle/>
+          <a:p>
+            <a:r>
+              <a:rPr lang="en-US" sz="2000" dirty="0" smtClean="0"/>
+              <a:t>Kleine scherptediepte</a:t>
+            </a:r>
+            <a:endParaRPr lang="en-US" sz="2000" dirty="0"/>
+          </a:p>
+        </p:txBody>
+      </p:sp>
+      <p:sp>
+        <p:nvSpPr>
+          <p:cNvPr id="57" name="TextBox 56"/>
+          <p:cNvSpPr txBox="1"/>
+          <p:nvPr/>
+        </p:nvSpPr>
+        <p:spPr>
+          <a:xfrm>
+            <a:off x="8839884" y="2036473"/>
+            <a:ext cx="1484381" cy="400110"/>
+          </a:xfrm>
+          <a:prstGeom prst="rect">
+            <a:avLst/>
+          </a:prstGeom>
+          <a:noFill/>
+        </p:spPr>
+        <p:txBody>
+          <a:bodyPr wrap="none" rtlCol="0">
+            <a:spAutoFit/>
+          </a:bodyPr>
+          <a:lstStyle/>
+          <a:p>
+            <a:r>
+              <a:rPr lang="en-US" sz="2000" dirty="0" smtClean="0"/>
+              <a:t>Niet in focus</a:t>
+            </a:r>
+            <a:endParaRPr lang="en-US" sz="2000" dirty="0"/>
+          </a:p>
+        </p:txBody>
+      </p:sp>
+      <p:sp>
+        <p:nvSpPr>
+          <p:cNvPr id="58" name="TextBox 57"/>
+          <p:cNvSpPr txBox="1"/>
+          <p:nvPr/>
+        </p:nvSpPr>
+        <p:spPr>
+          <a:xfrm>
+            <a:off x="5153512" y="2036473"/>
+            <a:ext cx="922769" cy="707886"/>
+          </a:xfrm>
+          <a:prstGeom prst="rect">
+            <a:avLst/>
+          </a:prstGeom>
+          <a:noFill/>
+        </p:spPr>
+        <p:txBody>
+          <a:bodyPr wrap="square" rtlCol="0">
+            <a:spAutoFit/>
+          </a:bodyPr>
+          <a:lstStyle/>
+          <a:p>
+            <a:r>
+              <a:rPr lang="en-US" sz="2000" dirty="0" smtClean="0"/>
+              <a:t>Wel in focus</a:t>
+            </a:r>
+            <a:endParaRPr lang="en-US" sz="2000" dirty="0"/>
+          </a:p>
+        </p:txBody>
+      </p:sp>
+      <p:sp>
+        <p:nvSpPr>
+          <p:cNvPr id="26" name="Oval 25"/>
+          <p:cNvSpPr/>
+          <p:nvPr/>
+        </p:nvSpPr>
+        <p:spPr>
+          <a:xfrm>
+            <a:off x="2779144" y="4953543"/>
+            <a:ext cx="402642" cy="343200"/>
+          </a:xfrm>
+          <a:prstGeom prst="ellipse">
+            <a:avLst/>
+          </a:prstGeom>
+          <a:ln w="38100"/>
+        </p:spPr>
+        <p:style>
+          <a:lnRef idx="1">
+            <a:schemeClr val="accent2"/>
+          </a:lnRef>
+          <a:fillRef idx="2">
+            <a:schemeClr val="accent2"/>
+          </a:fillRef>
+          <a:effectRef idx="1">
+            <a:schemeClr val="accent2"/>
+          </a:effectRef>
+          <a:fontRef idx="minor">
+            <a:schemeClr val="dk1"/>
+          </a:fontRef>
+        </p:style>
+        <p:txBody>
+          <a:bodyPr rtlCol="0" anchor="ctr"/>
+          <a:lstStyle/>
+          <a:p>
+            <a:pPr algn="ctr"/>
+            <a:endParaRPr lang="en-US"/>
+          </a:p>
+        </p:txBody>
+      </p:sp>
+      <p:cxnSp>
+        <p:nvCxnSpPr>
+          <p:cNvPr id="68" name="Straight Connector 67"/>
+          <p:cNvCxnSpPr>
+            <a:stCxn id="69" idx="4"/>
+          </p:cNvCxnSpPr>
+          <p:nvPr/>
+        </p:nvCxnSpPr>
+        <p:spPr>
+          <a:xfrm>
+            <a:off x="3246845" y="5296743"/>
+            <a:ext cx="0" cy="286870"/>
+          </a:xfrm>
+          <a:prstGeom prst="line">
+            <a:avLst/>
+          </a:prstGeom>
+          <a:ln w="38100">
+            <a:solidFill>
+              <a:srgbClr val="00B050"/>
+            </a:solidFill>
+          </a:ln>
+        </p:spPr>
+        <p:style>
+          <a:lnRef idx="1">
+            <a:schemeClr val="accent2"/>
+          </a:lnRef>
+          <a:fillRef idx="0">
+            <a:schemeClr val="accent2"/>
+          </a:fillRef>
+          <a:effectRef idx="0">
+            <a:schemeClr val="accent2"/>
+          </a:effectRef>
+          <a:fontRef idx="minor">
+            <a:schemeClr val="tx1"/>
+          </a:fontRef>
+        </p:style>
+      </p:cxnSp>
+      <p:sp>
+        <p:nvSpPr>
+          <p:cNvPr id="69" name="Oval 68"/>
+          <p:cNvSpPr/>
+          <p:nvPr/>
+        </p:nvSpPr>
+        <p:spPr>
+          <a:xfrm>
+            <a:off x="3045524" y="4953543"/>
+            <a:ext cx="402642" cy="343200"/>
+          </a:xfrm>
+          <a:prstGeom prst="ellipse">
+            <a:avLst/>
+          </a:prstGeom>
+          <a:ln w="38100"/>
+        </p:spPr>
+        <p:style>
+          <a:lnRef idx="1">
+            <a:schemeClr val="accent2"/>
+          </a:lnRef>
+          <a:fillRef idx="2">
+            <a:schemeClr val="accent2"/>
+          </a:fillRef>
+          <a:effectRef idx="1">
+            <a:schemeClr val="accent2"/>
+          </a:effectRef>
+          <a:fontRef idx="minor">
+            <a:schemeClr val="dk1"/>
+          </a:fontRef>
+        </p:style>
+        <p:txBody>
+          <a:bodyPr rtlCol="0" anchor="ctr"/>
+          <a:lstStyle/>
+          <a:p>
+            <a:pPr algn="ctr"/>
+            <a:endParaRPr lang="en-US"/>
+          </a:p>
+        </p:txBody>
+      </p:sp>
+      <p:cxnSp>
+        <p:nvCxnSpPr>
+          <p:cNvPr id="70" name="Straight Connector 69"/>
+          <p:cNvCxnSpPr>
+            <a:stCxn id="71" idx="4"/>
+          </p:cNvCxnSpPr>
+          <p:nvPr/>
+        </p:nvCxnSpPr>
+        <p:spPr>
+          <a:xfrm>
+            <a:off x="3504450" y="5296743"/>
+            <a:ext cx="0" cy="286870"/>
+          </a:xfrm>
+          <a:prstGeom prst="line">
+            <a:avLst/>
+          </a:prstGeom>
+          <a:ln w="38100">
+            <a:solidFill>
+              <a:srgbClr val="00B050"/>
+            </a:solidFill>
+          </a:ln>
+        </p:spPr>
+        <p:style>
+          <a:lnRef idx="1">
+            <a:schemeClr val="accent2"/>
+          </a:lnRef>
+          <a:fillRef idx="0">
+            <a:schemeClr val="accent2"/>
+          </a:fillRef>
+          <a:effectRef idx="0">
+            <a:schemeClr val="accent2"/>
+          </a:effectRef>
+          <a:fontRef idx="minor">
+            <a:schemeClr val="tx1"/>
+          </a:fontRef>
+        </p:style>
+      </p:cxnSp>
+      <p:sp>
+        <p:nvSpPr>
+          <p:cNvPr id="71" name="Oval 70"/>
+          <p:cNvSpPr/>
+          <p:nvPr/>
+        </p:nvSpPr>
+        <p:spPr>
+          <a:xfrm>
+            <a:off x="3303129" y="4953543"/>
+            <a:ext cx="402642" cy="343200"/>
+          </a:xfrm>
+          <a:prstGeom prst="ellipse">
+            <a:avLst/>
+          </a:prstGeom>
+          <a:ln w="38100"/>
+        </p:spPr>
+        <p:style>
+          <a:lnRef idx="1">
+            <a:schemeClr val="accent2"/>
+          </a:lnRef>
+          <a:fillRef idx="2">
+            <a:schemeClr val="accent2"/>
+          </a:fillRef>
+          <a:effectRef idx="1">
+            <a:schemeClr val="accent2"/>
+          </a:effectRef>
+          <a:fontRef idx="minor">
+            <a:schemeClr val="dk1"/>
+          </a:fontRef>
+        </p:style>
+        <p:txBody>
+          <a:bodyPr rtlCol="0" anchor="ctr"/>
+          <a:lstStyle/>
+          <a:p>
+            <a:pPr algn="ctr"/>
+            <a:endParaRPr lang="en-US"/>
+          </a:p>
+        </p:txBody>
+      </p:sp>
+      <p:cxnSp>
+        <p:nvCxnSpPr>
+          <p:cNvPr id="30" name="Straight Connector 29"/>
+          <p:cNvCxnSpPr/>
+          <p:nvPr/>
+        </p:nvCxnSpPr>
+        <p:spPr>
+          <a:xfrm>
+            <a:off x="412376" y="5593976"/>
+            <a:ext cx="11537577" cy="0"/>
+          </a:xfrm>
+          <a:prstGeom prst="line">
+            <a:avLst/>
+          </a:prstGeom>
+          <a:ln w="38100">
+            <a:solidFill>
+              <a:schemeClr val="tx1"/>
+            </a:solidFill>
+          </a:ln>
+        </p:spPr>
+        <p:style>
+          <a:lnRef idx="1">
+            <a:schemeClr val="accent1"/>
+          </a:lnRef>
+          <a:fillRef idx="0">
+            <a:schemeClr val="accent1"/>
+          </a:fillRef>
+          <a:effectRef idx="0">
+            <a:schemeClr val="accent1"/>
+          </a:effectRef>
+          <a:fontRef idx="minor">
+            <a:schemeClr val="tx1"/>
+          </a:fontRef>
+        </p:style>
+      </p:cxnSp>
+      <p:sp>
+        <p:nvSpPr>
+          <p:cNvPr id="72" name="TextBox 71"/>
+          <p:cNvSpPr txBox="1"/>
+          <p:nvPr/>
+        </p:nvSpPr>
+        <p:spPr>
+          <a:xfrm>
+            <a:off x="2474257" y="5877587"/>
+            <a:ext cx="1285160" cy="400110"/>
+          </a:xfrm>
+          <a:prstGeom prst="rect">
+            <a:avLst/>
+          </a:prstGeom>
+          <a:noFill/>
+        </p:spPr>
+        <p:txBody>
+          <a:bodyPr wrap="none" rtlCol="0">
+            <a:spAutoFit/>
+          </a:bodyPr>
+          <a:lstStyle/>
+          <a:p>
+            <a:r>
+              <a:rPr lang="en-US" sz="2000" dirty="0" smtClean="0"/>
+              <a:t>Voorgrond</a:t>
+            </a:r>
+            <a:endParaRPr lang="en-US" sz="2000" dirty="0"/>
+          </a:p>
+        </p:txBody>
+      </p:sp>
+      <p:sp>
+        <p:nvSpPr>
+          <p:cNvPr id="73" name="Oval 72"/>
+          <p:cNvSpPr/>
+          <p:nvPr/>
+        </p:nvSpPr>
+        <p:spPr>
+          <a:xfrm>
+            <a:off x="7760701" y="2374078"/>
+            <a:ext cx="1519361" cy="2284546"/>
+          </a:xfrm>
+          <a:prstGeom prst="ellipse">
+            <a:avLst/>
+          </a:prstGeom>
+          <a:ln w="38100"/>
+        </p:spPr>
+        <p:style>
+          <a:lnRef idx="1">
+            <a:schemeClr val="accent6"/>
+          </a:lnRef>
+          <a:fillRef idx="2">
+            <a:schemeClr val="accent6"/>
+          </a:fillRef>
+          <a:effectRef idx="1">
+            <a:schemeClr val="accent6"/>
+          </a:effectRef>
+          <a:fontRef idx="minor">
+            <a:schemeClr val="dk1"/>
+          </a:fontRef>
+        </p:style>
+        <p:txBody>
+          <a:bodyPr rtlCol="0" anchor="ctr"/>
+          <a:lstStyle/>
+          <a:p>
+            <a:pPr algn="ctr"/>
+            <a:endParaRPr lang="en-US"/>
+          </a:p>
+        </p:txBody>
+      </p:sp>
+      <p:cxnSp>
+        <p:nvCxnSpPr>
+          <p:cNvPr id="74" name="Straight Connector 73"/>
+          <p:cNvCxnSpPr>
+            <a:stCxn id="73" idx="4"/>
+          </p:cNvCxnSpPr>
+          <p:nvPr/>
+        </p:nvCxnSpPr>
+        <p:spPr>
+          <a:xfrm>
+            <a:off x="8520382" y="4658624"/>
+            <a:ext cx="0" cy="952310"/>
+          </a:xfrm>
+          <a:prstGeom prst="line">
+            <a:avLst/>
+          </a:prstGeom>
+          <a:ln w="38100">
+            <a:solidFill>
+              <a:schemeClr val="accent2">
+                <a:lumMod val="75000"/>
+              </a:schemeClr>
+            </a:solidFill>
+          </a:ln>
+        </p:spPr>
+        <p:style>
+          <a:lnRef idx="1">
+            <a:schemeClr val="accent2"/>
+          </a:lnRef>
+          <a:fillRef idx="0">
+            <a:schemeClr val="accent2"/>
+          </a:fillRef>
+          <a:effectRef idx="0">
+            <a:schemeClr val="accent2"/>
+          </a:effectRef>
+          <a:fontRef idx="minor">
+            <a:schemeClr val="tx1"/>
+          </a:fontRef>
+        </p:style>
+      </p:cxnSp>
+    </p:spTree>
+    <p:extLst>
+      <p:ext uri="{BB962C8B-B14F-4D97-AF65-F5344CB8AC3E}">
+        <p14:creationId xmlns:p14="http://schemas.microsoft.com/office/powerpoint/2010/main" val="3006651205"/>
+      </p:ext>
+    </p:extLst>
+  </p:cSld>
+  <p:clrMapOvr>
+    <a:masterClrMapping/>
+  </p:clrMapOvr>
+</p:sld>
+</file>
+
+<file path=ppt/slides/slide3.xml><?xml version="1.0" encoding="utf-8"?>
+<p:sld xmlns:a="http://schemas.openxmlformats.org/drawingml/2006/main" xmlns:r="http://schemas.openxmlformats.org/officeDocument/2006/relationships" xmlns:p="http://schemas.openxmlformats.org/presentationml/2006/main">
+  <p:cSld>
+    <p:spTree>
+      <p:nvGrpSpPr>
+        <p:cNvPr id="1" name=""/>
+        <p:cNvGrpSpPr/>
+        <p:nvPr/>
+      </p:nvGrpSpPr>
+      <p:grpSpPr>
+        <a:xfrm>
+          <a:off x="0" y="0"/>
+          <a:ext cx="0" cy="0"/>
+          <a:chOff x="0" y="0"/>
+          <a:chExt cx="0" cy="0"/>
+        </a:xfrm>
+      </p:grpSpPr>
+      <p:grpSp>
+        <p:nvGrpSpPr>
+          <p:cNvPr id="23" name="Group 22"/>
+          <p:cNvGrpSpPr/>
+          <p:nvPr/>
+        </p:nvGrpSpPr>
+        <p:grpSpPr>
+          <a:xfrm>
+            <a:off x="4961170" y="3478357"/>
+            <a:ext cx="1285238" cy="2115619"/>
+            <a:chOff x="4563292" y="2177143"/>
+            <a:chExt cx="2116182" cy="3483428"/>
+          </a:xfrm>
+        </p:grpSpPr>
+        <p:sp>
+          <p:nvSpPr>
+            <p:cNvPr id="4" name="Smiley Face 3"/>
+            <p:cNvSpPr/>
+            <p:nvPr/>
+          </p:nvSpPr>
+          <p:spPr>
+            <a:xfrm>
+              <a:off x="5233852" y="2177143"/>
+              <a:ext cx="818605" cy="775063"/>
+            </a:xfrm>
+            <a:prstGeom prst="smileyFace">
+              <a:avLst/>
+            </a:prstGeom>
+            <a:ln w="38100">
+              <a:solidFill>
+                <a:schemeClr val="accent1">
+                  <a:lumMod val="75000"/>
+                </a:schemeClr>
+              </a:solidFill>
+            </a:ln>
+          </p:spPr>
+          <p:style>
+            <a:lnRef idx="2">
+              <a:schemeClr val="accent5"/>
+            </a:lnRef>
+            <a:fillRef idx="1">
+              <a:schemeClr val="lt1"/>
+            </a:fillRef>
+            <a:effectRef idx="0">
+              <a:schemeClr val="accent5"/>
+            </a:effectRef>
+            <a:fontRef idx="minor">
+              <a:schemeClr val="dk1"/>
+            </a:fontRef>
+          </p:style>
+          <p:txBody>
+            <a:bodyPr rtlCol="0" anchor="ctr"/>
+            <a:lstStyle/>
+            <a:p>
+              <a:pPr algn="ctr"/>
+              <a:endParaRPr lang="en-US"/>
+            </a:p>
+          </p:txBody>
+        </p:sp>
+        <p:cxnSp>
+          <p:nvCxnSpPr>
+            <p:cNvPr id="7" name="Straight Connector 6"/>
+            <p:cNvCxnSpPr>
+              <a:stCxn id="4" idx="4"/>
+            </p:cNvCxnSpPr>
+            <p:nvPr/>
+          </p:nvCxnSpPr>
+          <p:spPr>
+            <a:xfrm flipH="1">
+              <a:off x="5643154" y="2952206"/>
+              <a:ext cx="1" cy="1428205"/>
+            </a:xfrm>
+            <a:prstGeom prst="line">
+              <a:avLst/>
+            </a:prstGeom>
+            <a:ln w="38100">
+              <a:solidFill>
+                <a:schemeClr val="accent1">
+                  <a:lumMod val="75000"/>
+                </a:schemeClr>
+              </a:solidFill>
+            </a:ln>
+          </p:spPr>
+          <p:style>
+            <a:lnRef idx="1">
+              <a:schemeClr val="accent1"/>
+            </a:lnRef>
+            <a:fillRef idx="0">
+              <a:schemeClr val="accent1"/>
+            </a:fillRef>
+            <a:effectRef idx="0">
+              <a:schemeClr val="accent1"/>
+            </a:effectRef>
+            <a:fontRef idx="minor">
+              <a:schemeClr val="tx1"/>
+            </a:fontRef>
+          </p:style>
+        </p:cxnSp>
+        <p:cxnSp>
+          <p:nvCxnSpPr>
+            <p:cNvPr id="11" name="Straight Connector 10"/>
+            <p:cNvCxnSpPr/>
+            <p:nvPr/>
+          </p:nvCxnSpPr>
+          <p:spPr>
+            <a:xfrm flipH="1">
+              <a:off x="5103223" y="4362994"/>
+              <a:ext cx="539931" cy="1297577"/>
+            </a:xfrm>
+            <a:prstGeom prst="line">
+              <a:avLst/>
+            </a:prstGeom>
+            <a:ln w="38100">
+              <a:solidFill>
+                <a:schemeClr val="accent1">
+                  <a:lumMod val="75000"/>
+                </a:schemeClr>
+              </a:solidFill>
+            </a:ln>
+          </p:spPr>
+          <p:style>
+            <a:lnRef idx="1">
+              <a:schemeClr val="accent1"/>
+            </a:lnRef>
+            <a:fillRef idx="0">
+              <a:schemeClr val="accent1"/>
+            </a:fillRef>
+            <a:effectRef idx="0">
+              <a:schemeClr val="accent1"/>
+            </a:effectRef>
+            <a:fontRef idx="minor">
+              <a:schemeClr val="tx1"/>
+            </a:fontRef>
+          </p:style>
+        </p:cxnSp>
+        <p:cxnSp>
+          <p:nvCxnSpPr>
+            <p:cNvPr id="13" name="Straight Connector 12"/>
+            <p:cNvCxnSpPr/>
+            <p:nvPr/>
+          </p:nvCxnSpPr>
+          <p:spPr>
+            <a:xfrm flipV="1">
+              <a:off x="5643154" y="3143794"/>
+              <a:ext cx="1036320" cy="304800"/>
+            </a:xfrm>
+            <a:prstGeom prst="line">
+              <a:avLst/>
+            </a:prstGeom>
+            <a:ln w="38100">
+              <a:solidFill>
+                <a:schemeClr val="accent1">
+                  <a:lumMod val="75000"/>
+                </a:schemeClr>
+              </a:solidFill>
+            </a:ln>
+          </p:spPr>
+          <p:style>
+            <a:lnRef idx="1">
+              <a:schemeClr val="accent1"/>
+            </a:lnRef>
+            <a:fillRef idx="0">
+              <a:schemeClr val="accent1"/>
+            </a:fillRef>
+            <a:effectRef idx="0">
+              <a:schemeClr val="accent1"/>
+            </a:effectRef>
+            <a:fontRef idx="minor">
+              <a:schemeClr val="tx1"/>
+            </a:fontRef>
+          </p:style>
+        </p:cxnSp>
+        <p:cxnSp>
+          <p:nvCxnSpPr>
+            <p:cNvPr id="15" name="Straight Connector 14"/>
+            <p:cNvCxnSpPr/>
+            <p:nvPr/>
+          </p:nvCxnSpPr>
+          <p:spPr>
+            <a:xfrm flipH="1" flipV="1">
+              <a:off x="4563292" y="3102428"/>
+              <a:ext cx="1079862" cy="346166"/>
+            </a:xfrm>
+            <a:prstGeom prst="line">
+              <a:avLst/>
+            </a:prstGeom>
+            <a:ln w="38100">
+              <a:solidFill>
+                <a:schemeClr val="accent1">
+                  <a:lumMod val="75000"/>
+                </a:schemeClr>
+              </a:solidFill>
+            </a:ln>
+          </p:spPr>
+          <p:style>
+            <a:lnRef idx="1">
+              <a:schemeClr val="accent1"/>
+            </a:lnRef>
+            <a:fillRef idx="0">
+              <a:schemeClr val="accent1"/>
+            </a:fillRef>
+            <a:effectRef idx="0">
+              <a:schemeClr val="accent1"/>
+            </a:effectRef>
+            <a:fontRef idx="minor">
+              <a:schemeClr val="tx1"/>
+            </a:fontRef>
+          </p:style>
+        </p:cxnSp>
+        <p:cxnSp>
+          <p:nvCxnSpPr>
+            <p:cNvPr id="19" name="Straight Connector 18"/>
+            <p:cNvCxnSpPr/>
+            <p:nvPr/>
+          </p:nvCxnSpPr>
+          <p:spPr>
+            <a:xfrm>
+              <a:off x="5643154" y="4362994"/>
+              <a:ext cx="518160" cy="1297577"/>
+            </a:xfrm>
+            <a:prstGeom prst="line">
+              <a:avLst/>
+            </a:prstGeom>
+            <a:ln w="38100">
+              <a:solidFill>
+                <a:schemeClr val="accent1">
+                  <a:lumMod val="75000"/>
+                </a:schemeClr>
+              </a:solidFill>
+            </a:ln>
+          </p:spPr>
+          <p:style>
+            <a:lnRef idx="1">
+              <a:schemeClr val="accent1"/>
+            </a:lnRef>
+            <a:fillRef idx="0">
+              <a:schemeClr val="accent1"/>
+            </a:fillRef>
+            <a:effectRef idx="0">
+              <a:schemeClr val="accent1"/>
+            </a:effectRef>
+            <a:fontRef idx="minor">
+              <a:schemeClr val="tx1"/>
+            </a:fontRef>
+          </p:style>
+        </p:cxnSp>
+      </p:grpSp>
+      <p:sp>
+        <p:nvSpPr>
+          <p:cNvPr id="22" name="Isosceles Triangle 21"/>
+          <p:cNvSpPr/>
+          <p:nvPr/>
+        </p:nvSpPr>
+        <p:spPr>
+          <a:xfrm rot="16200000">
+            <a:off x="534586" y="3249471"/>
+            <a:ext cx="718688" cy="1098368"/>
+          </a:xfrm>
+          <a:prstGeom prst="triangle">
+            <a:avLst/>
+          </a:prstGeom>
+        </p:spPr>
+        <p:style>
+          <a:lnRef idx="1">
+            <a:schemeClr val="dk1"/>
+          </a:lnRef>
+          <a:fillRef idx="2">
+            <a:schemeClr val="dk1"/>
+          </a:fillRef>
+          <a:effectRef idx="1">
+            <a:schemeClr val="dk1"/>
+          </a:effectRef>
+          <a:fontRef idx="minor">
+            <a:schemeClr val="dk1"/>
+          </a:fontRef>
+        </p:style>
+        <p:txBody>
+          <a:bodyPr rtlCol="0" anchor="ctr"/>
+          <a:lstStyle/>
+          <a:p>
+            <a:pPr algn="ctr"/>
+            <a:endParaRPr lang="en-US"/>
+          </a:p>
+        </p:txBody>
+      </p:sp>
+      <p:sp>
+        <p:nvSpPr>
+          <p:cNvPr id="24" name="Oval 23"/>
+          <p:cNvSpPr/>
+          <p:nvPr/>
+        </p:nvSpPr>
+        <p:spPr>
+          <a:xfrm>
+            <a:off x="8141482" y="699246"/>
+            <a:ext cx="2887385" cy="3533119"/>
+          </a:xfrm>
+          <a:prstGeom prst="ellipse">
+            <a:avLst/>
+          </a:prstGeom>
+          <a:ln w="38100"/>
+        </p:spPr>
+        <p:style>
+          <a:lnRef idx="1">
+            <a:schemeClr val="accent6"/>
+          </a:lnRef>
+          <a:fillRef idx="2">
+            <a:schemeClr val="accent6"/>
+          </a:fillRef>
+          <a:effectRef idx="1">
+            <a:schemeClr val="accent6"/>
+          </a:effectRef>
+          <a:fontRef idx="minor">
+            <a:schemeClr val="dk1"/>
+          </a:fontRef>
+        </p:style>
+        <p:txBody>
+          <a:bodyPr rtlCol="0" anchor="ctr"/>
+          <a:lstStyle/>
+          <a:p>
+            <a:pPr algn="ctr"/>
+            <a:endParaRPr lang="en-US"/>
+          </a:p>
+        </p:txBody>
+      </p:sp>
+      <p:sp>
+        <p:nvSpPr>
+          <p:cNvPr id="25" name="Oval 24"/>
+          <p:cNvSpPr/>
+          <p:nvPr/>
+        </p:nvSpPr>
+        <p:spPr>
+          <a:xfrm>
+            <a:off x="10406827" y="505094"/>
+            <a:ext cx="1519361" cy="4136572"/>
+          </a:xfrm>
+          <a:prstGeom prst="ellipse">
+            <a:avLst/>
+          </a:prstGeom>
+          <a:ln w="38100"/>
+        </p:spPr>
+        <p:style>
+          <a:lnRef idx="1">
+            <a:schemeClr val="accent6"/>
+          </a:lnRef>
+          <a:fillRef idx="2">
+            <a:schemeClr val="accent6"/>
+          </a:fillRef>
+          <a:effectRef idx="1">
+            <a:schemeClr val="accent6"/>
+          </a:effectRef>
+          <a:fontRef idx="minor">
+            <a:schemeClr val="dk1"/>
+          </a:fontRef>
+        </p:style>
+        <p:txBody>
+          <a:bodyPr rtlCol="0" anchor="ctr"/>
+          <a:lstStyle/>
+          <a:p>
+            <a:pPr algn="ctr"/>
+            <a:endParaRPr lang="en-US"/>
+          </a:p>
+        </p:txBody>
+      </p:sp>
+      <p:cxnSp>
+        <p:nvCxnSpPr>
+          <p:cNvPr id="28" name="Straight Connector 27"/>
+          <p:cNvCxnSpPr>
+            <a:stCxn id="26" idx="4"/>
+          </p:cNvCxnSpPr>
+          <p:nvPr/>
+        </p:nvCxnSpPr>
+        <p:spPr>
+          <a:xfrm>
+            <a:off x="2980465" y="5296743"/>
+            <a:ext cx="0" cy="286870"/>
+          </a:xfrm>
+          <a:prstGeom prst="line">
+            <a:avLst/>
+          </a:prstGeom>
+          <a:ln w="38100">
+            <a:solidFill>
+              <a:srgbClr val="00B050"/>
+            </a:solidFill>
+          </a:ln>
+        </p:spPr>
+        <p:style>
+          <a:lnRef idx="1">
+            <a:schemeClr val="accent2"/>
+          </a:lnRef>
+          <a:fillRef idx="0">
+            <a:schemeClr val="accent2"/>
+          </a:fillRef>
+          <a:effectRef idx="0">
+            <a:schemeClr val="accent2"/>
+          </a:effectRef>
+          <a:fontRef idx="minor">
+            <a:schemeClr val="tx1"/>
+          </a:fontRef>
+        </p:style>
+      </p:cxnSp>
+      <p:cxnSp>
+        <p:nvCxnSpPr>
+          <p:cNvPr id="33" name="Straight Connector 32"/>
+          <p:cNvCxnSpPr>
+            <a:stCxn id="24" idx="4"/>
+          </p:cNvCxnSpPr>
+          <p:nvPr/>
+        </p:nvCxnSpPr>
+        <p:spPr>
+          <a:xfrm flipH="1">
+            <a:off x="9582075" y="4232365"/>
+            <a:ext cx="3100" cy="1361611"/>
+          </a:xfrm>
+          <a:prstGeom prst="line">
+            <a:avLst/>
+          </a:prstGeom>
+          <a:ln w="38100">
+            <a:solidFill>
+              <a:schemeClr val="accent2">
+                <a:lumMod val="75000"/>
+              </a:schemeClr>
+            </a:solidFill>
+          </a:ln>
+        </p:spPr>
+        <p:style>
+          <a:lnRef idx="1">
+            <a:schemeClr val="accent2"/>
+          </a:lnRef>
+          <a:fillRef idx="0">
+            <a:schemeClr val="accent2"/>
+          </a:fillRef>
+          <a:effectRef idx="0">
+            <a:schemeClr val="accent2"/>
+          </a:effectRef>
+          <a:fontRef idx="minor">
+            <a:schemeClr val="tx1"/>
+          </a:fontRef>
+        </p:style>
+      </p:cxnSp>
+      <p:cxnSp>
+        <p:nvCxnSpPr>
+          <p:cNvPr id="40" name="Straight Connector 39"/>
+          <p:cNvCxnSpPr>
+            <a:stCxn id="25" idx="4"/>
+          </p:cNvCxnSpPr>
+          <p:nvPr/>
+        </p:nvCxnSpPr>
+        <p:spPr>
+          <a:xfrm flipH="1">
+            <a:off x="11166507" y="4641666"/>
+            <a:ext cx="1" cy="952310"/>
+          </a:xfrm>
+          <a:prstGeom prst="line">
+            <a:avLst/>
+          </a:prstGeom>
+          <a:ln w="38100">
+            <a:solidFill>
+              <a:schemeClr val="accent2">
+                <a:lumMod val="75000"/>
+              </a:schemeClr>
+            </a:solidFill>
+          </a:ln>
+        </p:spPr>
+        <p:style>
+          <a:lnRef idx="1">
+            <a:schemeClr val="accent2"/>
+          </a:lnRef>
+          <a:fillRef idx="0">
+            <a:schemeClr val="accent2"/>
+          </a:fillRef>
+          <a:effectRef idx="0">
+            <a:schemeClr val="accent2"/>
+          </a:effectRef>
+          <a:fontRef idx="minor">
+            <a:schemeClr val="tx1"/>
+          </a:fontRef>
+        </p:style>
+      </p:cxnSp>
+      <p:sp>
+        <p:nvSpPr>
+          <p:cNvPr id="43" name="TextBox 42"/>
+          <p:cNvSpPr txBox="1"/>
+          <p:nvPr/>
+        </p:nvSpPr>
+        <p:spPr>
+          <a:xfrm>
+            <a:off x="457395" y="5880847"/>
+            <a:ext cx="985719" cy="400110"/>
+          </a:xfrm>
+          <a:prstGeom prst="rect">
+            <a:avLst/>
+          </a:prstGeom>
+          <a:noFill/>
+        </p:spPr>
+        <p:txBody>
+          <a:bodyPr wrap="none" rtlCol="0">
+            <a:spAutoFit/>
+          </a:bodyPr>
+          <a:lstStyle/>
+          <a:p>
+            <a:r>
+              <a:rPr lang="en-US" sz="2000" dirty="0" smtClean="0"/>
+              <a:t>Camera</a:t>
+            </a:r>
+            <a:endParaRPr lang="en-US" sz="2000" dirty="0"/>
+          </a:p>
+        </p:txBody>
+      </p:sp>
+      <p:sp>
+        <p:nvSpPr>
+          <p:cNvPr id="44" name="TextBox 43"/>
+          <p:cNvSpPr txBox="1"/>
+          <p:nvPr/>
+        </p:nvSpPr>
+        <p:spPr>
+          <a:xfrm>
+            <a:off x="4988563" y="5880847"/>
+            <a:ext cx="1376402" cy="400110"/>
+          </a:xfrm>
+          <a:prstGeom prst="rect">
+            <a:avLst/>
+          </a:prstGeom>
+          <a:noFill/>
+        </p:spPr>
+        <p:txBody>
+          <a:bodyPr wrap="none" rtlCol="0">
+            <a:spAutoFit/>
+          </a:bodyPr>
+          <a:lstStyle/>
+          <a:p>
+            <a:r>
+              <a:rPr lang="en-US" sz="2000" dirty="0" smtClean="0"/>
+              <a:t>Onderwerp</a:t>
+            </a:r>
+            <a:endParaRPr lang="en-US" sz="2000" dirty="0"/>
+          </a:p>
+        </p:txBody>
+      </p:sp>
+      <p:sp>
+        <p:nvSpPr>
+          <p:cNvPr id="45" name="TextBox 44"/>
+          <p:cNvSpPr txBox="1"/>
+          <p:nvPr/>
+        </p:nvSpPr>
+        <p:spPr>
+          <a:xfrm>
+            <a:off x="9168832" y="5877587"/>
+            <a:ext cx="1483163" cy="400110"/>
+          </a:xfrm>
+          <a:prstGeom prst="rect">
+            <a:avLst/>
+          </a:prstGeom>
+          <a:noFill/>
+        </p:spPr>
+        <p:txBody>
+          <a:bodyPr wrap="none" rtlCol="0">
+            <a:spAutoFit/>
+          </a:bodyPr>
+          <a:lstStyle/>
+          <a:p>
+            <a:r>
+              <a:rPr lang="en-US" sz="2000" dirty="0" smtClean="0"/>
+              <a:t>Achtergrond</a:t>
+            </a:r>
+            <a:endParaRPr lang="en-US" sz="2000" dirty="0"/>
+          </a:p>
+        </p:txBody>
+      </p:sp>
+      <p:cxnSp>
+        <p:nvCxnSpPr>
+          <p:cNvPr id="49" name="Straight Connector 48"/>
+          <p:cNvCxnSpPr/>
+          <p:nvPr/>
+        </p:nvCxnSpPr>
+        <p:spPr>
+          <a:xfrm>
+            <a:off x="10404449" y="1936376"/>
+            <a:ext cx="0" cy="3657600"/>
+          </a:xfrm>
+          <a:prstGeom prst="line">
+            <a:avLst/>
+          </a:prstGeom>
+          <a:ln w="38100">
+            <a:solidFill>
+              <a:schemeClr val="tx1"/>
+            </a:solidFill>
+            <a:prstDash val="dash"/>
+          </a:ln>
+        </p:spPr>
+        <p:style>
+          <a:lnRef idx="1">
+            <a:schemeClr val="accent1"/>
+          </a:lnRef>
+          <a:fillRef idx="0">
+            <a:schemeClr val="accent1"/>
+          </a:fillRef>
+          <a:effectRef idx="0">
+            <a:schemeClr val="accent1"/>
+          </a:effectRef>
+          <a:fontRef idx="minor">
+            <a:schemeClr val="tx1"/>
+          </a:fontRef>
+        </p:style>
+      </p:cxnSp>
+      <p:sp>
+        <p:nvSpPr>
+          <p:cNvPr id="50" name="Left Brace 49"/>
+          <p:cNvSpPr/>
+          <p:nvPr/>
+        </p:nvSpPr>
+        <p:spPr>
+          <a:xfrm rot="5400000">
+            <a:off x="6395761" y="-2276388"/>
+            <a:ext cx="394447" cy="7627684"/>
+          </a:xfrm>
+          <a:prstGeom prst="leftBrace">
+            <a:avLst>
+              <a:gd name="adj1" fmla="val 58333"/>
+              <a:gd name="adj2" fmla="val 50838"/>
+            </a:avLst>
+          </a:prstGeom>
+          <a:ln w="38100">
+            <a:solidFill>
+              <a:schemeClr val="tx1"/>
+            </a:solidFill>
+          </a:ln>
+        </p:spPr>
+        <p:style>
+          <a:lnRef idx="1">
+            <a:schemeClr val="accent1"/>
+          </a:lnRef>
+          <a:fillRef idx="0">
+            <a:schemeClr val="accent1"/>
+          </a:fillRef>
+          <a:effectRef idx="0">
+            <a:schemeClr val="accent1"/>
+          </a:effectRef>
+          <a:fontRef idx="minor">
+            <a:schemeClr val="tx1"/>
+          </a:fontRef>
+        </p:style>
+        <p:txBody>
+          <a:bodyPr rtlCol="0" anchor="ctr"/>
+          <a:lstStyle/>
+          <a:p>
+            <a:pPr algn="ctr"/>
+            <a:endParaRPr lang="en-US"/>
+          </a:p>
+        </p:txBody>
+      </p:sp>
+      <p:sp>
+        <p:nvSpPr>
+          <p:cNvPr id="55" name="TextBox 54"/>
+          <p:cNvSpPr txBox="1"/>
+          <p:nvPr/>
+        </p:nvSpPr>
+        <p:spPr>
+          <a:xfrm>
+            <a:off x="641925" y="2036473"/>
+            <a:ext cx="1484381" cy="400110"/>
+          </a:xfrm>
+          <a:prstGeom prst="rect">
+            <a:avLst/>
+          </a:prstGeom>
+          <a:noFill/>
+        </p:spPr>
+        <p:txBody>
+          <a:bodyPr wrap="none" rtlCol="0">
+            <a:spAutoFit/>
+          </a:bodyPr>
+          <a:lstStyle/>
+          <a:p>
+            <a:r>
+              <a:rPr lang="en-US" sz="2000" dirty="0" smtClean="0"/>
+              <a:t>Niet in focus</a:t>
+            </a:r>
+            <a:endParaRPr lang="en-US" sz="2000" dirty="0"/>
+          </a:p>
+        </p:txBody>
+      </p:sp>
+      <p:sp>
+        <p:nvSpPr>
+          <p:cNvPr id="56" name="TextBox 55"/>
+          <p:cNvSpPr txBox="1"/>
+          <p:nvPr/>
+        </p:nvSpPr>
+        <p:spPr>
+          <a:xfrm>
+            <a:off x="5363611" y="582582"/>
+            <a:ext cx="2430217" cy="400110"/>
+          </a:xfrm>
+          <a:prstGeom prst="rect">
+            <a:avLst/>
+          </a:prstGeom>
+          <a:noFill/>
+        </p:spPr>
+        <p:txBody>
+          <a:bodyPr wrap="none" rtlCol="0">
+            <a:spAutoFit/>
+          </a:bodyPr>
+          <a:lstStyle/>
+          <a:p>
+            <a:r>
+              <a:rPr lang="en-US" sz="2000" dirty="0" smtClean="0"/>
+              <a:t>Grote scherptediepte</a:t>
+            </a:r>
+            <a:endParaRPr lang="en-US" sz="2000" dirty="0"/>
+          </a:p>
+        </p:txBody>
+      </p:sp>
+      <p:sp>
+        <p:nvSpPr>
+          <p:cNvPr id="57" name="TextBox 56"/>
+          <p:cNvSpPr txBox="1"/>
+          <p:nvPr/>
+        </p:nvSpPr>
+        <p:spPr>
+          <a:xfrm>
+            <a:off x="10520645" y="2036473"/>
+            <a:ext cx="1484381" cy="400110"/>
+          </a:xfrm>
+          <a:prstGeom prst="rect">
+            <a:avLst/>
+          </a:prstGeom>
+          <a:noFill/>
+        </p:spPr>
+        <p:txBody>
+          <a:bodyPr wrap="none" rtlCol="0">
+            <a:spAutoFit/>
+          </a:bodyPr>
+          <a:lstStyle/>
+          <a:p>
+            <a:r>
+              <a:rPr lang="en-US" sz="2000" dirty="0" smtClean="0"/>
+              <a:t>Niet in focus</a:t>
+            </a:r>
+            <a:endParaRPr lang="en-US" sz="2000" dirty="0"/>
+          </a:p>
+        </p:txBody>
+      </p:sp>
+      <p:sp>
+        <p:nvSpPr>
+          <p:cNvPr id="58" name="TextBox 57"/>
+          <p:cNvSpPr txBox="1"/>
+          <p:nvPr/>
+        </p:nvSpPr>
+        <p:spPr>
+          <a:xfrm>
+            <a:off x="5777878" y="2036473"/>
+            <a:ext cx="1452321" cy="400110"/>
+          </a:xfrm>
+          <a:prstGeom prst="rect">
+            <a:avLst/>
+          </a:prstGeom>
+          <a:noFill/>
+        </p:spPr>
+        <p:txBody>
+          <a:bodyPr wrap="none" rtlCol="0">
+            <a:spAutoFit/>
+          </a:bodyPr>
+          <a:lstStyle/>
+          <a:p>
+            <a:r>
+              <a:rPr lang="en-US" sz="2000" dirty="0" smtClean="0"/>
+              <a:t>Wel in focus</a:t>
+            </a:r>
+            <a:endParaRPr lang="en-US" sz="2000" dirty="0"/>
+          </a:p>
+        </p:txBody>
+      </p:sp>
+      <p:sp>
+        <p:nvSpPr>
+          <p:cNvPr id="26" name="Oval 25"/>
+          <p:cNvSpPr/>
+          <p:nvPr/>
+        </p:nvSpPr>
+        <p:spPr>
+          <a:xfrm>
+            <a:off x="2779144" y="4953543"/>
+            <a:ext cx="402642" cy="343200"/>
+          </a:xfrm>
+          <a:prstGeom prst="ellipse">
+            <a:avLst/>
+          </a:prstGeom>
+          <a:ln w="38100"/>
+        </p:spPr>
+        <p:style>
+          <a:lnRef idx="1">
+            <a:schemeClr val="accent2"/>
+          </a:lnRef>
+          <a:fillRef idx="2">
+            <a:schemeClr val="accent2"/>
+          </a:fillRef>
+          <a:effectRef idx="1">
+            <a:schemeClr val="accent2"/>
+          </a:effectRef>
+          <a:fontRef idx="minor">
+            <a:schemeClr val="dk1"/>
+          </a:fontRef>
+        </p:style>
+        <p:txBody>
+          <a:bodyPr rtlCol="0" anchor="ctr"/>
+          <a:lstStyle/>
+          <a:p>
+            <a:pPr algn="ctr"/>
+            <a:endParaRPr lang="en-US"/>
+          </a:p>
+        </p:txBody>
+      </p:sp>
+      <p:cxnSp>
+        <p:nvCxnSpPr>
+          <p:cNvPr id="68" name="Straight Connector 67"/>
+          <p:cNvCxnSpPr>
+            <a:stCxn id="69" idx="4"/>
+          </p:cNvCxnSpPr>
+          <p:nvPr/>
+        </p:nvCxnSpPr>
+        <p:spPr>
+          <a:xfrm>
+            <a:off x="3246845" y="5296743"/>
+            <a:ext cx="0" cy="286870"/>
+          </a:xfrm>
+          <a:prstGeom prst="line">
+            <a:avLst/>
+          </a:prstGeom>
+          <a:ln w="38100">
+            <a:solidFill>
+              <a:srgbClr val="00B050"/>
+            </a:solidFill>
+          </a:ln>
+        </p:spPr>
+        <p:style>
+          <a:lnRef idx="1">
+            <a:schemeClr val="accent2"/>
+          </a:lnRef>
+          <a:fillRef idx="0">
+            <a:schemeClr val="accent2"/>
+          </a:fillRef>
+          <a:effectRef idx="0">
+            <a:schemeClr val="accent2"/>
+          </a:effectRef>
+          <a:fontRef idx="minor">
+            <a:schemeClr val="tx1"/>
+          </a:fontRef>
+        </p:style>
+      </p:cxnSp>
+      <p:sp>
+        <p:nvSpPr>
+          <p:cNvPr id="69" name="Oval 68"/>
+          <p:cNvSpPr/>
+          <p:nvPr/>
+        </p:nvSpPr>
+        <p:spPr>
+          <a:xfrm>
+            <a:off x="3045524" y="4953543"/>
+            <a:ext cx="402642" cy="343200"/>
+          </a:xfrm>
+          <a:prstGeom prst="ellipse">
+            <a:avLst/>
+          </a:prstGeom>
+          <a:ln w="38100"/>
+        </p:spPr>
+        <p:style>
+          <a:lnRef idx="1">
+            <a:schemeClr val="accent2"/>
+          </a:lnRef>
+          <a:fillRef idx="2">
+            <a:schemeClr val="accent2"/>
+          </a:fillRef>
+          <a:effectRef idx="1">
+            <a:schemeClr val="accent2"/>
+          </a:effectRef>
+          <a:fontRef idx="minor">
+            <a:schemeClr val="dk1"/>
+          </a:fontRef>
+        </p:style>
+        <p:txBody>
+          <a:bodyPr rtlCol="0" anchor="ctr"/>
+          <a:lstStyle/>
+          <a:p>
+            <a:pPr algn="ctr"/>
+            <a:endParaRPr lang="en-US"/>
+          </a:p>
+        </p:txBody>
+      </p:sp>
+      <p:cxnSp>
+        <p:nvCxnSpPr>
+          <p:cNvPr id="70" name="Straight Connector 69"/>
+          <p:cNvCxnSpPr>
+            <a:stCxn id="71" idx="4"/>
+          </p:cNvCxnSpPr>
+          <p:nvPr/>
+        </p:nvCxnSpPr>
+        <p:spPr>
+          <a:xfrm>
+            <a:off x="3504450" y="5296743"/>
+            <a:ext cx="0" cy="286870"/>
+          </a:xfrm>
+          <a:prstGeom prst="line">
+            <a:avLst/>
+          </a:prstGeom>
+          <a:ln w="38100">
+            <a:solidFill>
+              <a:srgbClr val="00B050"/>
+            </a:solidFill>
+          </a:ln>
+        </p:spPr>
+        <p:style>
+          <a:lnRef idx="1">
+            <a:schemeClr val="accent2"/>
+          </a:lnRef>
+          <a:fillRef idx="0">
+            <a:schemeClr val="accent2"/>
+          </a:fillRef>
+          <a:effectRef idx="0">
+            <a:schemeClr val="accent2"/>
+          </a:effectRef>
+          <a:fontRef idx="minor">
+            <a:schemeClr val="tx1"/>
+          </a:fontRef>
+        </p:style>
+      </p:cxnSp>
+      <p:sp>
+        <p:nvSpPr>
+          <p:cNvPr id="71" name="Oval 70"/>
+          <p:cNvSpPr/>
+          <p:nvPr/>
+        </p:nvSpPr>
+        <p:spPr>
+          <a:xfrm>
+            <a:off x="3303129" y="4953543"/>
+            <a:ext cx="402642" cy="343200"/>
+          </a:xfrm>
+          <a:prstGeom prst="ellipse">
+            <a:avLst/>
+          </a:prstGeom>
+          <a:ln w="38100"/>
+        </p:spPr>
+        <p:style>
+          <a:lnRef idx="1">
+            <a:schemeClr val="accent2"/>
+          </a:lnRef>
+          <a:fillRef idx="2">
+            <a:schemeClr val="accent2"/>
+          </a:fillRef>
+          <a:effectRef idx="1">
+            <a:schemeClr val="accent2"/>
+          </a:effectRef>
+          <a:fontRef idx="minor">
+            <a:schemeClr val="dk1"/>
+          </a:fontRef>
+        </p:style>
+        <p:txBody>
+          <a:bodyPr rtlCol="0" anchor="ctr"/>
+          <a:lstStyle/>
+          <a:p>
+            <a:pPr algn="ctr"/>
+            <a:endParaRPr lang="en-US"/>
+          </a:p>
+        </p:txBody>
+      </p:sp>
+      <p:cxnSp>
+        <p:nvCxnSpPr>
+          <p:cNvPr id="30" name="Straight Connector 29"/>
+          <p:cNvCxnSpPr/>
+          <p:nvPr/>
+        </p:nvCxnSpPr>
+        <p:spPr>
+          <a:xfrm>
+            <a:off x="412376" y="5593976"/>
+            <a:ext cx="11537577" cy="0"/>
+          </a:xfrm>
+          <a:prstGeom prst="line">
+            <a:avLst/>
+          </a:prstGeom>
+          <a:ln w="38100">
+            <a:solidFill>
+              <a:schemeClr val="tx1"/>
+            </a:solidFill>
+          </a:ln>
+        </p:spPr>
+        <p:style>
+          <a:lnRef idx="1">
+            <a:schemeClr val="accent1"/>
+          </a:lnRef>
+          <a:fillRef idx="0">
+            <a:schemeClr val="accent1"/>
+          </a:fillRef>
+          <a:effectRef idx="0">
+            <a:schemeClr val="accent1"/>
+          </a:effectRef>
+          <a:fontRef idx="minor">
+            <a:schemeClr val="tx1"/>
+          </a:fontRef>
+        </p:style>
+      </p:cxnSp>
+      <p:sp>
+        <p:nvSpPr>
+          <p:cNvPr id="72" name="TextBox 71"/>
+          <p:cNvSpPr txBox="1"/>
+          <p:nvPr/>
+        </p:nvSpPr>
+        <p:spPr>
+          <a:xfrm>
+            <a:off x="2474257" y="5877587"/>
+            <a:ext cx="1285160" cy="400110"/>
+          </a:xfrm>
+          <a:prstGeom prst="rect">
+            <a:avLst/>
+          </a:prstGeom>
+          <a:noFill/>
+        </p:spPr>
+        <p:txBody>
+          <a:bodyPr wrap="none" rtlCol="0">
+            <a:spAutoFit/>
+          </a:bodyPr>
+          <a:lstStyle/>
+          <a:p>
+            <a:r>
+              <a:rPr lang="en-US" sz="2000" dirty="0" smtClean="0"/>
+              <a:t>Voorgrond</a:t>
+            </a:r>
+            <a:endParaRPr lang="en-US" sz="2000" dirty="0"/>
+          </a:p>
+        </p:txBody>
+      </p:sp>
+      <p:sp>
+        <p:nvSpPr>
+          <p:cNvPr id="73" name="Oval 72"/>
+          <p:cNvSpPr/>
+          <p:nvPr/>
+        </p:nvSpPr>
+        <p:spPr>
+          <a:xfrm>
+            <a:off x="7760701" y="2374078"/>
+            <a:ext cx="1519361" cy="2284546"/>
+          </a:xfrm>
+          <a:prstGeom prst="ellipse">
+            <a:avLst/>
+          </a:prstGeom>
+          <a:ln w="38100"/>
+        </p:spPr>
+        <p:style>
+          <a:lnRef idx="1">
+            <a:schemeClr val="accent6"/>
+          </a:lnRef>
+          <a:fillRef idx="2">
+            <a:schemeClr val="accent6"/>
+          </a:fillRef>
+          <a:effectRef idx="1">
+            <a:schemeClr val="accent6"/>
+          </a:effectRef>
+          <a:fontRef idx="minor">
+            <a:schemeClr val="dk1"/>
+          </a:fontRef>
+        </p:style>
+        <p:txBody>
+          <a:bodyPr rtlCol="0" anchor="ctr"/>
+          <a:lstStyle/>
+          <a:p>
+            <a:pPr algn="ctr"/>
+            <a:endParaRPr lang="en-US"/>
+          </a:p>
+        </p:txBody>
+      </p:sp>
+      <p:cxnSp>
+        <p:nvCxnSpPr>
+          <p:cNvPr id="74" name="Straight Connector 73"/>
+          <p:cNvCxnSpPr>
+            <a:stCxn id="73" idx="4"/>
+          </p:cNvCxnSpPr>
+          <p:nvPr/>
+        </p:nvCxnSpPr>
+        <p:spPr>
+          <a:xfrm>
+            <a:off x="8520382" y="4658624"/>
+            <a:ext cx="0" cy="952310"/>
+          </a:xfrm>
+          <a:prstGeom prst="line">
+            <a:avLst/>
+          </a:prstGeom>
+          <a:ln w="38100">
+            <a:solidFill>
+              <a:schemeClr val="accent2">
+                <a:lumMod val="75000"/>
+              </a:schemeClr>
+            </a:solidFill>
+          </a:ln>
+        </p:spPr>
+        <p:style>
+          <a:lnRef idx="1">
+            <a:schemeClr val="accent2"/>
+          </a:lnRef>
+          <a:fillRef idx="0">
+            <a:schemeClr val="accent2"/>
+          </a:fillRef>
+          <a:effectRef idx="0">
+            <a:schemeClr val="accent2"/>
+          </a:effectRef>
+          <a:fontRef idx="minor">
+            <a:schemeClr val="tx1"/>
+          </a:fontRef>
+        </p:style>
+      </p:cxnSp>
+      <p:cxnSp>
+        <p:nvCxnSpPr>
+          <p:cNvPr id="47" name="Straight Connector 46"/>
+          <p:cNvCxnSpPr/>
+          <p:nvPr/>
+        </p:nvCxnSpPr>
+        <p:spPr>
+          <a:xfrm>
+            <a:off x="2780589" y="1936376"/>
+            <a:ext cx="0" cy="3657600"/>
+          </a:xfrm>
+          <a:prstGeom prst="line">
+            <a:avLst/>
+          </a:prstGeom>
+          <a:ln w="38100">
+            <a:solidFill>
+              <a:schemeClr val="tx1"/>
+            </a:solidFill>
+            <a:prstDash val="dash"/>
+          </a:ln>
+        </p:spPr>
+        <p:style>
+          <a:lnRef idx="1">
+            <a:schemeClr val="accent1"/>
+          </a:lnRef>
+          <a:fillRef idx="0">
+            <a:schemeClr val="accent1"/>
+          </a:fillRef>
+          <a:effectRef idx="0">
+            <a:schemeClr val="accent1"/>
+          </a:effectRef>
+          <a:fontRef idx="minor">
+            <a:schemeClr val="tx1"/>
+          </a:fontRef>
+        </p:style>
+      </p:cxnSp>
+    </p:spTree>
+    <p:extLst>
+      <p:ext uri="{BB962C8B-B14F-4D97-AF65-F5344CB8AC3E}">
+        <p14:creationId xmlns:p14="http://schemas.microsoft.com/office/powerpoint/2010/main" val="3688014157"/>
+      </p:ext>
+    </p:extLst>
+  </p:cSld>
+  <p:clrMapOvr>
+    <a:masterClrMapping/>
+  </p:clrMapOvr>
+</p:sld>
+</file>
+
+<file path=ppt/slides/slide4.xml><?xml version="1.0" encoding="utf-8"?>
+<p:sld xmlns:a="http://schemas.openxmlformats.org/drawingml/2006/main" xmlns:r="http://schemas.openxmlformats.org/officeDocument/2006/relationships" xmlns:p="http://schemas.openxmlformats.org/presentationml/2006/main">
+  <p:cSld>
+    <p:spTree>
+      <p:nvGrpSpPr>
+        <p:cNvPr id="1" name=""/>
+        <p:cNvGrpSpPr/>
+        <p:nvPr/>
+      </p:nvGrpSpPr>
+      <p:grpSpPr>
+        <a:xfrm>
+          <a:off x="0" y="0"/>
+          <a:ext cx="0" cy="0"/>
+          <a:chOff x="0" y="0"/>
+          <a:chExt cx="0" cy="0"/>
+        </a:xfrm>
+      </p:grpSpPr>
+      <p:grpSp>
+        <p:nvGrpSpPr>
+          <p:cNvPr id="23" name="Group 22"/>
+          <p:cNvGrpSpPr/>
+          <p:nvPr/>
+        </p:nvGrpSpPr>
+        <p:grpSpPr>
+          <a:xfrm>
+            <a:off x="4961170" y="3478357"/>
+            <a:ext cx="1285238" cy="2115619"/>
+            <a:chOff x="4563292" y="2177143"/>
+            <a:chExt cx="2116182" cy="3483428"/>
+          </a:xfrm>
+        </p:grpSpPr>
+        <p:sp>
+          <p:nvSpPr>
+            <p:cNvPr id="4" name="Smiley Face 3"/>
+            <p:cNvSpPr/>
+            <p:nvPr/>
+          </p:nvSpPr>
+          <p:spPr>
+            <a:xfrm>
+              <a:off x="5233852" y="2177143"/>
+              <a:ext cx="818605" cy="775063"/>
+            </a:xfrm>
+            <a:prstGeom prst="smileyFace">
+              <a:avLst/>
+            </a:prstGeom>
+            <a:ln w="38100">
+              <a:solidFill>
+                <a:schemeClr val="accent1">
+                  <a:lumMod val="75000"/>
+                </a:schemeClr>
+              </a:solidFill>
+            </a:ln>
+          </p:spPr>
+          <p:style>
+            <a:lnRef idx="2">
+              <a:schemeClr val="accent5"/>
+            </a:lnRef>
+            <a:fillRef idx="1">
+              <a:schemeClr val="lt1"/>
+            </a:fillRef>
+            <a:effectRef idx="0">
+              <a:schemeClr val="accent5"/>
+            </a:effectRef>
+            <a:fontRef idx="minor">
+              <a:schemeClr val="dk1"/>
+            </a:fontRef>
+          </p:style>
+          <p:txBody>
+            <a:bodyPr rtlCol="0" anchor="ctr"/>
+            <a:lstStyle/>
+            <a:p>
+              <a:pPr algn="ctr"/>
+              <a:endParaRPr lang="en-US"/>
+            </a:p>
+          </p:txBody>
+        </p:sp>
+        <p:cxnSp>
+          <p:nvCxnSpPr>
+            <p:cNvPr id="7" name="Straight Connector 6"/>
+            <p:cNvCxnSpPr>
+              <a:stCxn id="4" idx="4"/>
+            </p:cNvCxnSpPr>
+            <p:nvPr/>
+          </p:nvCxnSpPr>
+          <p:spPr>
+            <a:xfrm flipH="1">
+              <a:off x="5643154" y="2952206"/>
+              <a:ext cx="1" cy="1428205"/>
+            </a:xfrm>
+            <a:prstGeom prst="line">
+              <a:avLst/>
+            </a:prstGeom>
+            <a:ln w="38100">
+              <a:solidFill>
+                <a:schemeClr val="accent1">
+                  <a:lumMod val="75000"/>
+                </a:schemeClr>
+              </a:solidFill>
+            </a:ln>
+          </p:spPr>
+          <p:style>
+            <a:lnRef idx="1">
+              <a:schemeClr val="accent1"/>
+            </a:lnRef>
+            <a:fillRef idx="0">
+              <a:schemeClr val="accent1"/>
+            </a:fillRef>
+            <a:effectRef idx="0">
+              <a:schemeClr val="accent1"/>
+            </a:effectRef>
+            <a:fontRef idx="minor">
+              <a:schemeClr val="tx1"/>
+            </a:fontRef>
+          </p:style>
+        </p:cxnSp>
+        <p:cxnSp>
+          <p:nvCxnSpPr>
+            <p:cNvPr id="11" name="Straight Connector 10"/>
+            <p:cNvCxnSpPr/>
+            <p:nvPr/>
+          </p:nvCxnSpPr>
+          <p:spPr>
+            <a:xfrm flipH="1">
+              <a:off x="5103223" y="4362994"/>
+              <a:ext cx="539931" cy="1297577"/>
+            </a:xfrm>
+            <a:prstGeom prst="line">
+              <a:avLst/>
+            </a:prstGeom>
+            <a:ln w="38100">
+              <a:solidFill>
+                <a:schemeClr val="accent1">
+                  <a:lumMod val="75000"/>
+                </a:schemeClr>
+              </a:solidFill>
+            </a:ln>
+          </p:spPr>
+          <p:style>
+            <a:lnRef idx="1">
+              <a:schemeClr val="accent1"/>
+            </a:lnRef>
+            <a:fillRef idx="0">
+              <a:schemeClr val="accent1"/>
+            </a:fillRef>
+            <a:effectRef idx="0">
+              <a:schemeClr val="accent1"/>
+            </a:effectRef>
+            <a:fontRef idx="minor">
+              <a:schemeClr val="tx1"/>
+            </a:fontRef>
+          </p:style>
+        </p:cxnSp>
+        <p:cxnSp>
+          <p:nvCxnSpPr>
+            <p:cNvPr id="13" name="Straight Connector 12"/>
+            <p:cNvCxnSpPr/>
+            <p:nvPr/>
+          </p:nvCxnSpPr>
+          <p:spPr>
+            <a:xfrm flipV="1">
+              <a:off x="5643154" y="3143794"/>
+              <a:ext cx="1036320" cy="304800"/>
+            </a:xfrm>
+            <a:prstGeom prst="line">
+              <a:avLst/>
+            </a:prstGeom>
+            <a:ln w="38100">
+              <a:solidFill>
+                <a:schemeClr val="accent1">
+                  <a:lumMod val="75000"/>
+                </a:schemeClr>
+              </a:solidFill>
+            </a:ln>
+          </p:spPr>
+          <p:style>
+            <a:lnRef idx="1">
+              <a:schemeClr val="accent1"/>
+            </a:lnRef>
+            <a:fillRef idx="0">
+              <a:schemeClr val="accent1"/>
+            </a:fillRef>
+            <a:effectRef idx="0">
+              <a:schemeClr val="accent1"/>
+            </a:effectRef>
+            <a:fontRef idx="minor">
+              <a:schemeClr val="tx1"/>
+            </a:fontRef>
+          </p:style>
+        </p:cxnSp>
+        <p:cxnSp>
+          <p:nvCxnSpPr>
+            <p:cNvPr id="15" name="Straight Connector 14"/>
+            <p:cNvCxnSpPr/>
+            <p:nvPr/>
+          </p:nvCxnSpPr>
+          <p:spPr>
+            <a:xfrm flipH="1" flipV="1">
+              <a:off x="4563292" y="3102428"/>
+              <a:ext cx="1079862" cy="346166"/>
+            </a:xfrm>
+            <a:prstGeom prst="line">
+              <a:avLst/>
+            </a:prstGeom>
+            <a:ln w="38100">
+              <a:solidFill>
+                <a:schemeClr val="accent1">
+                  <a:lumMod val="75000"/>
+                </a:schemeClr>
+              </a:solidFill>
+            </a:ln>
+          </p:spPr>
+          <p:style>
+            <a:lnRef idx="1">
+              <a:schemeClr val="accent1"/>
+            </a:lnRef>
+            <a:fillRef idx="0">
+              <a:schemeClr val="accent1"/>
+            </a:fillRef>
+            <a:effectRef idx="0">
+              <a:schemeClr val="accent1"/>
+            </a:effectRef>
+            <a:fontRef idx="minor">
+              <a:schemeClr val="tx1"/>
+            </a:fontRef>
+          </p:style>
+        </p:cxnSp>
+        <p:cxnSp>
+          <p:nvCxnSpPr>
+            <p:cNvPr id="19" name="Straight Connector 18"/>
+            <p:cNvCxnSpPr/>
+            <p:nvPr/>
+          </p:nvCxnSpPr>
+          <p:spPr>
+            <a:xfrm>
+              <a:off x="5643154" y="4362994"/>
+              <a:ext cx="518160" cy="1297577"/>
+            </a:xfrm>
+            <a:prstGeom prst="line">
+              <a:avLst/>
+            </a:prstGeom>
+            <a:ln w="38100">
+              <a:solidFill>
+                <a:schemeClr val="accent1">
+                  <a:lumMod val="75000"/>
+                </a:schemeClr>
+              </a:solidFill>
+            </a:ln>
+          </p:spPr>
+          <p:style>
+            <a:lnRef idx="1">
+              <a:schemeClr val="accent1"/>
+            </a:lnRef>
+            <a:fillRef idx="0">
+              <a:schemeClr val="accent1"/>
+            </a:fillRef>
+            <a:effectRef idx="0">
+              <a:schemeClr val="accent1"/>
+            </a:effectRef>
+            <a:fontRef idx="minor">
+              <a:schemeClr val="tx1"/>
+            </a:fontRef>
+          </p:style>
+        </p:cxnSp>
+      </p:grpSp>
+      <p:sp>
+        <p:nvSpPr>
+          <p:cNvPr id="22" name="Isosceles Triangle 21"/>
+          <p:cNvSpPr/>
+          <p:nvPr/>
+        </p:nvSpPr>
+        <p:spPr>
+          <a:xfrm rot="16200000">
+            <a:off x="534586" y="3249471"/>
+            <a:ext cx="718688" cy="1098368"/>
+          </a:xfrm>
+          <a:prstGeom prst="triangle">
+            <a:avLst/>
+          </a:prstGeom>
+        </p:spPr>
+        <p:style>
+          <a:lnRef idx="1">
+            <a:schemeClr val="dk1"/>
+          </a:lnRef>
+          <a:fillRef idx="2">
+            <a:schemeClr val="dk1"/>
+          </a:fillRef>
+          <a:effectRef idx="1">
+            <a:schemeClr val="dk1"/>
+          </a:effectRef>
+          <a:fontRef idx="minor">
+            <a:schemeClr val="dk1"/>
+          </a:fontRef>
+        </p:style>
+        <p:txBody>
+          <a:bodyPr rtlCol="0" anchor="ctr"/>
+          <a:lstStyle/>
+          <a:p>
+            <a:pPr algn="ctr"/>
+            <a:endParaRPr lang="en-US"/>
+          </a:p>
+        </p:txBody>
+      </p:sp>
+      <p:sp>
+        <p:nvSpPr>
+          <p:cNvPr id="24" name="Oval 23"/>
+          <p:cNvSpPr/>
+          <p:nvPr/>
+        </p:nvSpPr>
+        <p:spPr>
+          <a:xfrm>
+            <a:off x="8141482" y="699246"/>
+            <a:ext cx="2887385" cy="3533119"/>
+          </a:xfrm>
+          <a:prstGeom prst="ellipse">
+            <a:avLst/>
+          </a:prstGeom>
+          <a:ln w="38100"/>
+        </p:spPr>
+        <p:style>
+          <a:lnRef idx="1">
+            <a:schemeClr val="accent6"/>
+          </a:lnRef>
+          <a:fillRef idx="2">
+            <a:schemeClr val="accent6"/>
+          </a:fillRef>
+          <a:effectRef idx="1">
+            <a:schemeClr val="accent6"/>
+          </a:effectRef>
+          <a:fontRef idx="minor">
+            <a:schemeClr val="dk1"/>
+          </a:fontRef>
+        </p:style>
+        <p:txBody>
+          <a:bodyPr rtlCol="0" anchor="ctr"/>
+          <a:lstStyle/>
+          <a:p>
+            <a:pPr algn="ctr"/>
+            <a:endParaRPr lang="en-US"/>
+          </a:p>
+        </p:txBody>
+      </p:sp>
+      <p:sp>
+        <p:nvSpPr>
+          <p:cNvPr id="25" name="Oval 24"/>
+          <p:cNvSpPr/>
+          <p:nvPr/>
+        </p:nvSpPr>
+        <p:spPr>
+          <a:xfrm>
+            <a:off x="10406827" y="505094"/>
+            <a:ext cx="1519361" cy="4136572"/>
+          </a:xfrm>
+          <a:prstGeom prst="ellipse">
+            <a:avLst/>
+          </a:prstGeom>
+          <a:ln w="38100"/>
+        </p:spPr>
+        <p:style>
+          <a:lnRef idx="1">
+            <a:schemeClr val="accent6"/>
+          </a:lnRef>
+          <a:fillRef idx="2">
+            <a:schemeClr val="accent6"/>
+          </a:fillRef>
+          <a:effectRef idx="1">
+            <a:schemeClr val="accent6"/>
+          </a:effectRef>
+          <a:fontRef idx="minor">
+            <a:schemeClr val="dk1"/>
+          </a:fontRef>
+        </p:style>
+        <p:txBody>
+          <a:bodyPr rtlCol="0" anchor="ctr"/>
+          <a:lstStyle/>
+          <a:p>
+            <a:pPr algn="ctr"/>
+            <a:endParaRPr lang="en-US"/>
+          </a:p>
+        </p:txBody>
+      </p:sp>
+      <p:cxnSp>
+        <p:nvCxnSpPr>
+          <p:cNvPr id="28" name="Straight Connector 27"/>
+          <p:cNvCxnSpPr>
+            <a:stCxn id="26" idx="4"/>
+          </p:cNvCxnSpPr>
+          <p:nvPr/>
+        </p:nvCxnSpPr>
+        <p:spPr>
+          <a:xfrm>
+            <a:off x="2980465" y="5296743"/>
+            <a:ext cx="0" cy="286870"/>
+          </a:xfrm>
+          <a:prstGeom prst="line">
+            <a:avLst/>
+          </a:prstGeom>
+          <a:ln w="38100">
+            <a:solidFill>
+              <a:srgbClr val="00B050"/>
+            </a:solidFill>
+          </a:ln>
+        </p:spPr>
+        <p:style>
+          <a:lnRef idx="1">
+            <a:schemeClr val="accent2"/>
+          </a:lnRef>
+          <a:fillRef idx="0">
+            <a:schemeClr val="accent2"/>
+          </a:fillRef>
+          <a:effectRef idx="0">
+            <a:schemeClr val="accent2"/>
+          </a:effectRef>
+          <a:fontRef idx="minor">
+            <a:schemeClr val="tx1"/>
+          </a:fontRef>
+        </p:style>
+      </p:cxnSp>
+      <p:cxnSp>
+        <p:nvCxnSpPr>
+          <p:cNvPr id="33" name="Straight Connector 32"/>
+          <p:cNvCxnSpPr>
+            <a:stCxn id="24" idx="4"/>
+          </p:cNvCxnSpPr>
+          <p:nvPr/>
+        </p:nvCxnSpPr>
+        <p:spPr>
+          <a:xfrm flipH="1">
+            <a:off x="9582075" y="4232365"/>
+            <a:ext cx="3100" cy="1361611"/>
+          </a:xfrm>
+          <a:prstGeom prst="line">
+            <a:avLst/>
+          </a:prstGeom>
+          <a:ln w="38100">
+            <a:solidFill>
+              <a:schemeClr val="accent2">
+                <a:lumMod val="75000"/>
+              </a:schemeClr>
+            </a:solidFill>
+          </a:ln>
+        </p:spPr>
+        <p:style>
+          <a:lnRef idx="1">
+            <a:schemeClr val="accent2"/>
+          </a:lnRef>
+          <a:fillRef idx="0">
+            <a:schemeClr val="accent2"/>
+          </a:fillRef>
+          <a:effectRef idx="0">
+            <a:schemeClr val="accent2"/>
+          </a:effectRef>
+          <a:fontRef idx="minor">
+            <a:schemeClr val="tx1"/>
+          </a:fontRef>
+        </p:style>
+      </p:cxnSp>
+      <p:cxnSp>
+        <p:nvCxnSpPr>
+          <p:cNvPr id="40" name="Straight Connector 39"/>
+          <p:cNvCxnSpPr>
+            <a:stCxn id="25" idx="4"/>
+          </p:cNvCxnSpPr>
+          <p:nvPr/>
+        </p:nvCxnSpPr>
+        <p:spPr>
+          <a:xfrm flipH="1">
+            <a:off x="11166507" y="4641666"/>
+            <a:ext cx="1" cy="952310"/>
+          </a:xfrm>
+          <a:prstGeom prst="line">
+            <a:avLst/>
+          </a:prstGeom>
+          <a:ln w="38100">
+            <a:solidFill>
+              <a:schemeClr val="accent2">
+                <a:lumMod val="75000"/>
+              </a:schemeClr>
+            </a:solidFill>
+          </a:ln>
+        </p:spPr>
+        <p:style>
+          <a:lnRef idx="1">
+            <a:schemeClr val="accent2"/>
+          </a:lnRef>
+          <a:fillRef idx="0">
+            <a:schemeClr val="accent2"/>
+          </a:fillRef>
+          <a:effectRef idx="0">
+            <a:schemeClr val="accent2"/>
+          </a:effectRef>
+          <a:fontRef idx="minor">
+            <a:schemeClr val="tx1"/>
+          </a:fontRef>
+        </p:style>
+      </p:cxnSp>
+      <p:sp>
+        <p:nvSpPr>
+          <p:cNvPr id="43" name="TextBox 42"/>
+          <p:cNvSpPr txBox="1"/>
+          <p:nvPr/>
+        </p:nvSpPr>
+        <p:spPr>
+          <a:xfrm>
+            <a:off x="457395" y="5880847"/>
+            <a:ext cx="985719" cy="400110"/>
+          </a:xfrm>
+          <a:prstGeom prst="rect">
+            <a:avLst/>
+          </a:prstGeom>
+          <a:noFill/>
+        </p:spPr>
+        <p:txBody>
+          <a:bodyPr wrap="none" rtlCol="0">
+            <a:spAutoFit/>
+          </a:bodyPr>
+          <a:lstStyle/>
+          <a:p>
+            <a:r>
+              <a:rPr lang="en-US" sz="2000" dirty="0" smtClean="0"/>
+              <a:t>Camera</a:t>
+            </a:r>
+            <a:endParaRPr lang="en-US" sz="2000" dirty="0"/>
+          </a:p>
+        </p:txBody>
+      </p:sp>
+      <p:sp>
+        <p:nvSpPr>
+          <p:cNvPr id="44" name="TextBox 43"/>
+          <p:cNvSpPr txBox="1"/>
+          <p:nvPr/>
+        </p:nvSpPr>
+        <p:spPr>
+          <a:xfrm>
+            <a:off x="4988563" y="5880847"/>
+            <a:ext cx="1376402" cy="400110"/>
+          </a:xfrm>
+          <a:prstGeom prst="rect">
+            <a:avLst/>
+          </a:prstGeom>
+          <a:noFill/>
+        </p:spPr>
+        <p:txBody>
+          <a:bodyPr wrap="none" rtlCol="0">
+            <a:spAutoFit/>
+          </a:bodyPr>
+          <a:lstStyle/>
+          <a:p>
+            <a:r>
+              <a:rPr lang="en-US" sz="2000" dirty="0" smtClean="0"/>
+              <a:t>Onderwerp</a:t>
+            </a:r>
+            <a:endParaRPr lang="en-US" sz="2000" dirty="0"/>
+          </a:p>
+        </p:txBody>
+      </p:sp>
+      <p:sp>
+        <p:nvSpPr>
+          <p:cNvPr id="45" name="TextBox 44"/>
+          <p:cNvSpPr txBox="1"/>
+          <p:nvPr/>
+        </p:nvSpPr>
+        <p:spPr>
+          <a:xfrm>
+            <a:off x="9168832" y="5877587"/>
+            <a:ext cx="1483163" cy="400110"/>
+          </a:xfrm>
+          <a:prstGeom prst="rect">
+            <a:avLst/>
+          </a:prstGeom>
+          <a:noFill/>
+        </p:spPr>
+        <p:txBody>
+          <a:bodyPr wrap="none" rtlCol="0">
+            <a:spAutoFit/>
+          </a:bodyPr>
+          <a:lstStyle/>
+          <a:p>
+            <a:r>
+              <a:rPr lang="en-US" sz="2000" dirty="0" smtClean="0"/>
+              <a:t>Achtergrond</a:t>
+            </a:r>
+            <a:endParaRPr lang="en-US" sz="2000" dirty="0"/>
+          </a:p>
+        </p:txBody>
+      </p:sp>
+      <p:cxnSp>
+        <p:nvCxnSpPr>
+          <p:cNvPr id="47" name="Straight Connector 46"/>
+          <p:cNvCxnSpPr/>
+          <p:nvPr/>
+        </p:nvCxnSpPr>
+        <p:spPr>
+          <a:xfrm>
+            <a:off x="5070949" y="1936376"/>
+            <a:ext cx="0" cy="3657600"/>
+          </a:xfrm>
+          <a:prstGeom prst="line">
+            <a:avLst/>
+          </a:prstGeom>
+          <a:ln w="38100">
+            <a:solidFill>
+              <a:schemeClr val="tx1"/>
+            </a:solidFill>
+            <a:prstDash val="dash"/>
+          </a:ln>
+        </p:spPr>
+        <p:style>
+          <a:lnRef idx="1">
+            <a:schemeClr val="accent1"/>
+          </a:lnRef>
+          <a:fillRef idx="0">
+            <a:schemeClr val="accent1"/>
+          </a:fillRef>
+          <a:effectRef idx="0">
+            <a:schemeClr val="accent1"/>
+          </a:effectRef>
+          <a:fontRef idx="minor">
+            <a:schemeClr val="tx1"/>
+          </a:fontRef>
+        </p:style>
+      </p:cxnSp>
+      <p:cxnSp>
+        <p:nvCxnSpPr>
+          <p:cNvPr id="49" name="Straight Connector 48"/>
+          <p:cNvCxnSpPr/>
+          <p:nvPr/>
+        </p:nvCxnSpPr>
+        <p:spPr>
+          <a:xfrm>
+            <a:off x="6076281" y="1936376"/>
+            <a:ext cx="0" cy="3657600"/>
+          </a:xfrm>
+          <a:prstGeom prst="line">
+            <a:avLst/>
+          </a:prstGeom>
+          <a:ln w="38100">
+            <a:solidFill>
+              <a:schemeClr val="tx1"/>
+            </a:solidFill>
+            <a:prstDash val="dash"/>
+          </a:ln>
+        </p:spPr>
+        <p:style>
+          <a:lnRef idx="1">
+            <a:schemeClr val="accent1"/>
+          </a:lnRef>
+          <a:fillRef idx="0">
+            <a:schemeClr val="accent1"/>
+          </a:fillRef>
+          <a:effectRef idx="0">
+            <a:schemeClr val="accent1"/>
+          </a:effectRef>
+          <a:fontRef idx="minor">
+            <a:schemeClr val="tx1"/>
+          </a:fontRef>
+        </p:style>
+      </p:cxnSp>
+      <p:sp>
+        <p:nvSpPr>
+          <p:cNvPr id="50" name="Left Brace 49"/>
+          <p:cNvSpPr/>
+          <p:nvPr/>
+        </p:nvSpPr>
+        <p:spPr>
+          <a:xfrm rot="5400000">
+            <a:off x="5379515" y="1031663"/>
+            <a:ext cx="394447" cy="1011580"/>
+          </a:xfrm>
+          <a:prstGeom prst="leftBrace">
+            <a:avLst>
+              <a:gd name="adj1" fmla="val 58333"/>
+              <a:gd name="adj2" fmla="val 50838"/>
+            </a:avLst>
+          </a:prstGeom>
+          <a:ln w="38100">
+            <a:solidFill>
+              <a:schemeClr val="tx1"/>
+            </a:solidFill>
+          </a:ln>
+        </p:spPr>
+        <p:style>
+          <a:lnRef idx="1">
+            <a:schemeClr val="accent1"/>
+          </a:lnRef>
+          <a:fillRef idx="0">
+            <a:schemeClr val="accent1"/>
+          </a:fillRef>
+          <a:effectRef idx="0">
+            <a:schemeClr val="accent1"/>
+          </a:effectRef>
+          <a:fontRef idx="minor">
+            <a:schemeClr val="tx1"/>
+          </a:fontRef>
+        </p:style>
+        <p:txBody>
+          <a:bodyPr rtlCol="0" anchor="ctr"/>
+          <a:lstStyle/>
+          <a:p>
+            <a:pPr algn="ctr"/>
+            <a:endParaRPr lang="en-US"/>
+          </a:p>
+        </p:txBody>
+      </p:sp>
+      <p:sp>
+        <p:nvSpPr>
+          <p:cNvPr id="55" name="TextBox 54"/>
+          <p:cNvSpPr txBox="1"/>
+          <p:nvPr/>
+        </p:nvSpPr>
+        <p:spPr>
+          <a:xfrm>
+            <a:off x="1443114" y="2036473"/>
+            <a:ext cx="1484381" cy="400110"/>
+          </a:xfrm>
+          <a:prstGeom prst="rect">
+            <a:avLst/>
+          </a:prstGeom>
+          <a:noFill/>
+        </p:spPr>
+        <p:txBody>
+          <a:bodyPr wrap="none" rtlCol="0">
+            <a:spAutoFit/>
+          </a:bodyPr>
+          <a:lstStyle/>
+          <a:p>
+            <a:r>
+              <a:rPr lang="en-US" sz="2000" dirty="0" smtClean="0"/>
+              <a:t>Niet in focus</a:t>
+            </a:r>
+            <a:endParaRPr lang="en-US" sz="2000" dirty="0"/>
+          </a:p>
+        </p:txBody>
+      </p:sp>
+      <p:sp>
+        <p:nvSpPr>
+          <p:cNvPr id="56" name="TextBox 55"/>
+          <p:cNvSpPr txBox="1"/>
+          <p:nvPr/>
+        </p:nvSpPr>
+        <p:spPr>
+          <a:xfrm>
+            <a:off x="4727889" y="582582"/>
+            <a:ext cx="2478755" cy="400110"/>
+          </a:xfrm>
+          <a:prstGeom prst="rect">
+            <a:avLst/>
+          </a:prstGeom>
+          <a:noFill/>
+        </p:spPr>
+        <p:txBody>
+          <a:bodyPr wrap="none" rtlCol="0">
+            <a:spAutoFit/>
+          </a:bodyPr>
+          <a:lstStyle/>
+          <a:p>
+            <a:r>
+              <a:rPr lang="en-US" sz="2000" dirty="0" smtClean="0"/>
+              <a:t>Kleine scherptediepte</a:t>
+            </a:r>
+            <a:endParaRPr lang="en-US" sz="2000" dirty="0"/>
+          </a:p>
+        </p:txBody>
+      </p:sp>
+      <p:sp>
+        <p:nvSpPr>
+          <p:cNvPr id="57" name="TextBox 56"/>
+          <p:cNvSpPr txBox="1"/>
+          <p:nvPr/>
+        </p:nvSpPr>
+        <p:spPr>
+          <a:xfrm>
+            <a:off x="8839884" y="2036473"/>
+            <a:ext cx="1484381" cy="400110"/>
+          </a:xfrm>
+          <a:prstGeom prst="rect">
+            <a:avLst/>
+          </a:prstGeom>
+          <a:noFill/>
+        </p:spPr>
+        <p:txBody>
+          <a:bodyPr wrap="none" rtlCol="0">
+            <a:spAutoFit/>
+          </a:bodyPr>
+          <a:lstStyle/>
+          <a:p>
+            <a:r>
+              <a:rPr lang="en-US" sz="2000" dirty="0" smtClean="0"/>
+              <a:t>Niet in focus</a:t>
+            </a:r>
+            <a:endParaRPr lang="en-US" sz="2000" dirty="0"/>
+          </a:p>
+        </p:txBody>
+      </p:sp>
+      <p:sp>
+        <p:nvSpPr>
+          <p:cNvPr id="58" name="TextBox 57"/>
+          <p:cNvSpPr txBox="1"/>
+          <p:nvPr/>
+        </p:nvSpPr>
+        <p:spPr>
+          <a:xfrm>
+            <a:off x="5153512" y="2036473"/>
+            <a:ext cx="922769" cy="707886"/>
+          </a:xfrm>
+          <a:prstGeom prst="rect">
+            <a:avLst/>
+          </a:prstGeom>
+          <a:noFill/>
+        </p:spPr>
+        <p:txBody>
+          <a:bodyPr wrap="square" rtlCol="0">
+            <a:spAutoFit/>
+          </a:bodyPr>
+          <a:lstStyle/>
+          <a:p>
+            <a:r>
+              <a:rPr lang="en-US" sz="2000" dirty="0" smtClean="0"/>
+              <a:t>Wel in focus</a:t>
+            </a:r>
+            <a:endParaRPr lang="en-US" sz="2000" dirty="0"/>
+          </a:p>
+        </p:txBody>
+      </p:sp>
+      <p:sp>
+        <p:nvSpPr>
+          <p:cNvPr id="26" name="Oval 25"/>
+          <p:cNvSpPr/>
+          <p:nvPr/>
+        </p:nvSpPr>
+        <p:spPr>
+          <a:xfrm>
+            <a:off x="2779144" y="4953543"/>
+            <a:ext cx="402642" cy="343200"/>
+          </a:xfrm>
+          <a:prstGeom prst="ellipse">
+            <a:avLst/>
+          </a:prstGeom>
+          <a:ln w="38100"/>
+        </p:spPr>
+        <p:style>
+          <a:lnRef idx="1">
+            <a:schemeClr val="accent2"/>
+          </a:lnRef>
+          <a:fillRef idx="2">
+            <a:schemeClr val="accent2"/>
+          </a:fillRef>
+          <a:effectRef idx="1">
+            <a:schemeClr val="accent2"/>
+          </a:effectRef>
+          <a:fontRef idx="minor">
+            <a:schemeClr val="dk1"/>
+          </a:fontRef>
+        </p:style>
+        <p:txBody>
+          <a:bodyPr rtlCol="0" anchor="ctr"/>
+          <a:lstStyle/>
+          <a:p>
+            <a:pPr algn="ctr"/>
+            <a:endParaRPr lang="en-US"/>
+          </a:p>
+        </p:txBody>
+      </p:sp>
+      <p:cxnSp>
+        <p:nvCxnSpPr>
+          <p:cNvPr id="68" name="Straight Connector 67"/>
+          <p:cNvCxnSpPr>
+            <a:stCxn id="69" idx="4"/>
+          </p:cNvCxnSpPr>
+          <p:nvPr/>
+        </p:nvCxnSpPr>
+        <p:spPr>
+          <a:xfrm>
+            <a:off x="3246845" y="5296743"/>
+            <a:ext cx="0" cy="286870"/>
+          </a:xfrm>
+          <a:prstGeom prst="line">
+            <a:avLst/>
+          </a:prstGeom>
+          <a:ln w="38100">
+            <a:solidFill>
+              <a:srgbClr val="00B050"/>
+            </a:solidFill>
+          </a:ln>
+        </p:spPr>
+        <p:style>
+          <a:lnRef idx="1">
+            <a:schemeClr val="accent2"/>
+          </a:lnRef>
+          <a:fillRef idx="0">
+            <a:schemeClr val="accent2"/>
+          </a:fillRef>
+          <a:effectRef idx="0">
+            <a:schemeClr val="accent2"/>
+          </a:effectRef>
+          <a:fontRef idx="minor">
+            <a:schemeClr val="tx1"/>
+          </a:fontRef>
+        </p:style>
+      </p:cxnSp>
+      <p:sp>
+        <p:nvSpPr>
+          <p:cNvPr id="69" name="Oval 68"/>
+          <p:cNvSpPr/>
+          <p:nvPr/>
+        </p:nvSpPr>
+        <p:spPr>
+          <a:xfrm>
+            <a:off x="3045524" y="4953543"/>
+            <a:ext cx="402642" cy="343200"/>
+          </a:xfrm>
+          <a:prstGeom prst="ellipse">
+            <a:avLst/>
+          </a:prstGeom>
+          <a:ln w="38100"/>
+        </p:spPr>
+        <p:style>
+          <a:lnRef idx="1">
+            <a:schemeClr val="accent2"/>
+          </a:lnRef>
+          <a:fillRef idx="2">
+            <a:schemeClr val="accent2"/>
+          </a:fillRef>
+          <a:effectRef idx="1">
+            <a:schemeClr val="accent2"/>
+          </a:effectRef>
+          <a:fontRef idx="minor">
+            <a:schemeClr val="dk1"/>
+          </a:fontRef>
+        </p:style>
+        <p:txBody>
+          <a:bodyPr rtlCol="0" anchor="ctr"/>
+          <a:lstStyle/>
+          <a:p>
+            <a:pPr algn="ctr"/>
+            <a:endParaRPr lang="en-US"/>
+          </a:p>
+        </p:txBody>
+      </p:sp>
+      <p:cxnSp>
+        <p:nvCxnSpPr>
+          <p:cNvPr id="70" name="Straight Connector 69"/>
+          <p:cNvCxnSpPr>
+            <a:stCxn id="71" idx="4"/>
+          </p:cNvCxnSpPr>
+          <p:nvPr/>
+        </p:nvCxnSpPr>
+        <p:spPr>
+          <a:xfrm>
+            <a:off x="3504450" y="5296743"/>
+            <a:ext cx="0" cy="286870"/>
+          </a:xfrm>
+          <a:prstGeom prst="line">
+            <a:avLst/>
+          </a:prstGeom>
+          <a:ln w="38100">
+            <a:solidFill>
+              <a:srgbClr val="00B050"/>
+            </a:solidFill>
+          </a:ln>
+        </p:spPr>
+        <p:style>
+          <a:lnRef idx="1">
+            <a:schemeClr val="accent2"/>
+          </a:lnRef>
+          <a:fillRef idx="0">
+            <a:schemeClr val="accent2"/>
+          </a:fillRef>
+          <a:effectRef idx="0">
+            <a:schemeClr val="accent2"/>
+          </a:effectRef>
+          <a:fontRef idx="minor">
+            <a:schemeClr val="tx1"/>
+          </a:fontRef>
+        </p:style>
+      </p:cxnSp>
+      <p:sp>
+        <p:nvSpPr>
+          <p:cNvPr id="71" name="Oval 70"/>
+          <p:cNvSpPr/>
+          <p:nvPr/>
+        </p:nvSpPr>
+        <p:spPr>
+          <a:xfrm>
+            <a:off x="3303129" y="4953543"/>
+            <a:ext cx="402642" cy="343200"/>
+          </a:xfrm>
+          <a:prstGeom prst="ellipse">
+            <a:avLst/>
+          </a:prstGeom>
+          <a:ln w="38100"/>
+        </p:spPr>
+        <p:style>
+          <a:lnRef idx="1">
+            <a:schemeClr val="accent2"/>
+          </a:lnRef>
+          <a:fillRef idx="2">
+            <a:schemeClr val="accent2"/>
+          </a:fillRef>
+          <a:effectRef idx="1">
+            <a:schemeClr val="accent2"/>
+          </a:effectRef>
+          <a:fontRef idx="minor">
+            <a:schemeClr val="dk1"/>
+          </a:fontRef>
+        </p:style>
+        <p:txBody>
+          <a:bodyPr rtlCol="0" anchor="ctr"/>
+          <a:lstStyle/>
+          <a:p>
+            <a:pPr algn="ctr"/>
+            <a:endParaRPr lang="en-US"/>
+          </a:p>
+        </p:txBody>
+      </p:sp>
+      <p:cxnSp>
+        <p:nvCxnSpPr>
+          <p:cNvPr id="30" name="Straight Connector 29"/>
+          <p:cNvCxnSpPr/>
+          <p:nvPr/>
+        </p:nvCxnSpPr>
+        <p:spPr>
+          <a:xfrm>
+            <a:off x="412376" y="5593976"/>
+            <a:ext cx="11537577" cy="0"/>
+          </a:xfrm>
+          <a:prstGeom prst="line">
+            <a:avLst/>
+          </a:prstGeom>
+          <a:ln w="38100">
+            <a:solidFill>
+              <a:schemeClr val="tx1"/>
+            </a:solidFill>
+          </a:ln>
+        </p:spPr>
+        <p:style>
+          <a:lnRef idx="1">
+            <a:schemeClr val="accent1"/>
+          </a:lnRef>
+          <a:fillRef idx="0">
+            <a:schemeClr val="accent1"/>
+          </a:fillRef>
+          <a:effectRef idx="0">
+            <a:schemeClr val="accent1"/>
+          </a:effectRef>
+          <a:fontRef idx="minor">
+            <a:schemeClr val="tx1"/>
+          </a:fontRef>
+        </p:style>
+      </p:cxnSp>
+      <p:sp>
+        <p:nvSpPr>
+          <p:cNvPr id="72" name="TextBox 71"/>
+          <p:cNvSpPr txBox="1"/>
+          <p:nvPr/>
+        </p:nvSpPr>
+        <p:spPr>
+          <a:xfrm>
+            <a:off x="2474257" y="5877587"/>
+            <a:ext cx="1285160" cy="400110"/>
+          </a:xfrm>
+          <a:prstGeom prst="rect">
+            <a:avLst/>
+          </a:prstGeom>
+          <a:noFill/>
+        </p:spPr>
+        <p:txBody>
+          <a:bodyPr wrap="none" rtlCol="0">
+            <a:spAutoFit/>
+          </a:bodyPr>
+          <a:lstStyle/>
+          <a:p>
+            <a:r>
+              <a:rPr lang="en-US" sz="2000" dirty="0" smtClean="0"/>
+              <a:t>Voorgrond</a:t>
+            </a:r>
+            <a:endParaRPr lang="en-US" sz="2000" dirty="0"/>
+          </a:p>
+        </p:txBody>
+      </p:sp>
+      <p:sp>
+        <p:nvSpPr>
+          <p:cNvPr id="73" name="Oval 72"/>
+          <p:cNvSpPr/>
+          <p:nvPr/>
+        </p:nvSpPr>
+        <p:spPr>
+          <a:xfrm>
+            <a:off x="7760701" y="2374078"/>
+            <a:ext cx="1519361" cy="2284546"/>
+          </a:xfrm>
+          <a:prstGeom prst="ellipse">
+            <a:avLst/>
+          </a:prstGeom>
+          <a:ln w="38100"/>
+        </p:spPr>
+        <p:style>
+          <a:lnRef idx="1">
+            <a:schemeClr val="accent6"/>
+          </a:lnRef>
+          <a:fillRef idx="2">
+            <a:schemeClr val="accent6"/>
+          </a:fillRef>
+          <a:effectRef idx="1">
+            <a:schemeClr val="accent6"/>
+          </a:effectRef>
+          <a:fontRef idx="minor">
+            <a:schemeClr val="dk1"/>
+          </a:fontRef>
+        </p:style>
+        <p:txBody>
+          <a:bodyPr rtlCol="0" anchor="ctr"/>
+          <a:lstStyle/>
+          <a:p>
+            <a:pPr algn="ctr"/>
+            <a:endParaRPr lang="en-US"/>
+          </a:p>
+        </p:txBody>
+      </p:sp>
+      <p:cxnSp>
+        <p:nvCxnSpPr>
+          <p:cNvPr id="74" name="Straight Connector 73"/>
+          <p:cNvCxnSpPr>
+            <a:stCxn id="73" idx="4"/>
+          </p:cNvCxnSpPr>
+          <p:nvPr/>
+        </p:nvCxnSpPr>
+        <p:spPr>
+          <a:xfrm>
+            <a:off x="8520382" y="4658624"/>
+            <a:ext cx="0" cy="952310"/>
+          </a:xfrm>
+          <a:prstGeom prst="line">
+            <a:avLst/>
+          </a:prstGeom>
+          <a:ln w="38100">
+            <a:solidFill>
+              <a:schemeClr val="accent2">
+                <a:lumMod val="75000"/>
+              </a:schemeClr>
+            </a:solidFill>
+          </a:ln>
+        </p:spPr>
+        <p:style>
+          <a:lnRef idx="1">
+            <a:schemeClr val="accent2"/>
+          </a:lnRef>
+          <a:fillRef idx="0">
+            <a:schemeClr val="accent2"/>
+          </a:fillRef>
+          <a:effectRef idx="0">
+            <a:schemeClr val="accent2"/>
+          </a:effectRef>
+          <a:fontRef idx="minor">
+            <a:schemeClr val="tx1"/>
+          </a:fontRef>
+        </p:style>
+      </p:cxnSp>
+      <p:sp>
+        <p:nvSpPr>
+          <p:cNvPr id="35" name="TextBox 34"/>
+          <p:cNvSpPr txBox="1"/>
+          <p:nvPr/>
+        </p:nvSpPr>
+        <p:spPr>
+          <a:xfrm>
+            <a:off x="344746" y="288774"/>
+            <a:ext cx="4182427" cy="1015663"/>
+          </a:xfrm>
+          <a:prstGeom prst="rect">
+            <a:avLst/>
+          </a:prstGeom>
+        </p:spPr>
+        <p:style>
+          <a:lnRef idx="1">
+            <a:schemeClr val="accent5"/>
+          </a:lnRef>
+          <a:fillRef idx="3">
+            <a:schemeClr val="accent5"/>
+          </a:fillRef>
+          <a:effectRef idx="2">
+            <a:schemeClr val="accent5"/>
+          </a:effectRef>
+          <a:fontRef idx="minor">
+            <a:schemeClr val="lt1"/>
+          </a:fontRef>
+        </p:style>
+        <p:txBody>
+          <a:bodyPr wrap="none" rtlCol="0">
+            <a:spAutoFit/>
+          </a:bodyPr>
+          <a:lstStyle/>
+          <a:p>
+            <a:pPr marL="285750" indent="-285750">
+              <a:buFont typeface="Arial" panose="020B0604020202020204" pitchFamily="34" charset="0"/>
+              <a:buChar char="•"/>
+            </a:pPr>
+            <a:r>
+              <a:rPr lang="en-US" sz="2000" dirty="0" smtClean="0"/>
+              <a:t>Groot </a:t>
+            </a:r>
+            <a:r>
+              <a:rPr lang="en-US" sz="2000" dirty="0" err="1" smtClean="0"/>
+              <a:t>diafragma</a:t>
+            </a:r>
+            <a:r>
+              <a:rPr lang="en-US" sz="2000" dirty="0" smtClean="0"/>
+              <a:t> (</a:t>
+            </a:r>
+            <a:r>
+              <a:rPr lang="en-US" sz="2000" dirty="0" err="1" smtClean="0"/>
+              <a:t>klein</a:t>
+            </a:r>
+            <a:r>
+              <a:rPr lang="en-US" sz="2000" dirty="0" smtClean="0"/>
+              <a:t> f-</a:t>
+            </a:r>
+            <a:r>
+              <a:rPr lang="en-US" sz="2000" dirty="0" err="1" smtClean="0"/>
+              <a:t>getal</a:t>
+            </a:r>
+            <a:r>
+              <a:rPr lang="en-US" sz="2000" dirty="0" smtClean="0"/>
+              <a:t>)</a:t>
+            </a:r>
+          </a:p>
+          <a:p>
+            <a:pPr marL="285750" indent="-285750">
+              <a:buFont typeface="Arial" panose="020B0604020202020204" pitchFamily="34" charset="0"/>
+              <a:buChar char="•"/>
+            </a:pPr>
+            <a:r>
+              <a:rPr lang="en-US" sz="2000" dirty="0" smtClean="0"/>
+              <a:t>Lange lens (</a:t>
+            </a:r>
+            <a:r>
+              <a:rPr lang="en-US" sz="2000" dirty="0" err="1" smtClean="0"/>
+              <a:t>hoog</a:t>
+            </a:r>
+            <a:r>
+              <a:rPr lang="en-US" sz="2000" dirty="0" smtClean="0"/>
+              <a:t> </a:t>
+            </a:r>
+            <a:r>
+              <a:rPr lang="en-US" sz="2000" dirty="0" err="1" smtClean="0"/>
+              <a:t>brandpunt</a:t>
+            </a:r>
+            <a:r>
+              <a:rPr lang="en-US" sz="2000" dirty="0" smtClean="0"/>
+              <a:t> in mm)</a:t>
+            </a:r>
+          </a:p>
+          <a:p>
+            <a:pPr marL="285750" indent="-285750">
+              <a:buFont typeface="Arial" panose="020B0604020202020204" pitchFamily="34" charset="0"/>
+              <a:buChar char="•"/>
+            </a:pPr>
+            <a:r>
+              <a:rPr lang="en-US" sz="2000" dirty="0" err="1" smtClean="0"/>
+              <a:t>Korte</a:t>
+            </a:r>
+            <a:r>
+              <a:rPr lang="en-US" sz="2000" dirty="0" smtClean="0"/>
+              <a:t> </a:t>
+            </a:r>
+            <a:r>
+              <a:rPr lang="en-US" sz="2000" dirty="0" err="1" smtClean="0"/>
+              <a:t>afstand</a:t>
+            </a:r>
+            <a:r>
+              <a:rPr lang="en-US" sz="2000" dirty="0" smtClean="0"/>
+              <a:t> tot </a:t>
+            </a:r>
+            <a:r>
+              <a:rPr lang="en-US" sz="2000" dirty="0" err="1" smtClean="0"/>
+              <a:t>onderwerp</a:t>
+            </a:r>
+            <a:endParaRPr lang="en-US" sz="2000" dirty="0"/>
+          </a:p>
+        </p:txBody>
+      </p:sp>
+    </p:spTree>
+    <p:extLst>
+      <p:ext uri="{BB962C8B-B14F-4D97-AF65-F5344CB8AC3E}">
+        <p14:creationId xmlns:p14="http://schemas.microsoft.com/office/powerpoint/2010/main" val="1590324043"/>
+      </p:ext>
+    </p:extLst>
+  </p:cSld>
+  <p:clrMapOvr>
+    <a:masterClrMapping/>
+  </p:clrMapOvr>
+</p:sld>
+</file>
+
+<file path=ppt/slides/slide5.xml><?xml version="1.0" encoding="utf-8"?>
+<p:sld xmlns:a="http://schemas.openxmlformats.org/drawingml/2006/main" xmlns:r="http://schemas.openxmlformats.org/officeDocument/2006/relationships" xmlns:p="http://schemas.openxmlformats.org/presentationml/2006/main">
+  <p:cSld>
+    <p:spTree>
+      <p:nvGrpSpPr>
+        <p:cNvPr id="1" name=""/>
+        <p:cNvGrpSpPr/>
+        <p:nvPr/>
+      </p:nvGrpSpPr>
+      <p:grpSpPr>
+        <a:xfrm>
+          <a:off x="0" y="0"/>
+          <a:ext cx="0" cy="0"/>
+          <a:chOff x="0" y="0"/>
+          <a:chExt cx="0" cy="0"/>
+        </a:xfrm>
+      </p:grpSpPr>
+      <p:grpSp>
+        <p:nvGrpSpPr>
+          <p:cNvPr id="23" name="Group 22"/>
+          <p:cNvGrpSpPr/>
+          <p:nvPr/>
+        </p:nvGrpSpPr>
+        <p:grpSpPr>
+          <a:xfrm>
+            <a:off x="4961170" y="3478357"/>
+            <a:ext cx="1285238" cy="2115619"/>
+            <a:chOff x="4563292" y="2177143"/>
+            <a:chExt cx="2116182" cy="3483428"/>
+          </a:xfrm>
+        </p:grpSpPr>
+        <p:sp>
+          <p:nvSpPr>
+            <p:cNvPr id="4" name="Smiley Face 3"/>
+            <p:cNvSpPr/>
+            <p:nvPr/>
+          </p:nvSpPr>
+          <p:spPr>
+            <a:xfrm>
+              <a:off x="5233852" y="2177143"/>
+              <a:ext cx="818605" cy="775063"/>
+            </a:xfrm>
+            <a:prstGeom prst="smileyFace">
+              <a:avLst/>
+            </a:prstGeom>
+            <a:ln w="38100">
+              <a:solidFill>
+                <a:schemeClr val="accent1">
+                  <a:lumMod val="75000"/>
+                </a:schemeClr>
+              </a:solidFill>
+            </a:ln>
+          </p:spPr>
+          <p:style>
+            <a:lnRef idx="2">
+              <a:schemeClr val="accent5"/>
+            </a:lnRef>
+            <a:fillRef idx="1">
+              <a:schemeClr val="lt1"/>
+            </a:fillRef>
+            <a:effectRef idx="0">
+              <a:schemeClr val="accent5"/>
+            </a:effectRef>
+            <a:fontRef idx="minor">
+              <a:schemeClr val="dk1"/>
+            </a:fontRef>
+          </p:style>
+          <p:txBody>
+            <a:bodyPr rtlCol="0" anchor="ctr"/>
+            <a:lstStyle/>
+            <a:p>
+              <a:pPr algn="ctr"/>
+              <a:endParaRPr lang="en-US"/>
+            </a:p>
+          </p:txBody>
+        </p:sp>
+        <p:cxnSp>
+          <p:nvCxnSpPr>
+            <p:cNvPr id="7" name="Straight Connector 6"/>
+            <p:cNvCxnSpPr>
+              <a:stCxn id="4" idx="4"/>
+            </p:cNvCxnSpPr>
+            <p:nvPr/>
+          </p:nvCxnSpPr>
+          <p:spPr>
+            <a:xfrm flipH="1">
+              <a:off x="5643154" y="2952206"/>
+              <a:ext cx="1" cy="1428205"/>
+            </a:xfrm>
+            <a:prstGeom prst="line">
+              <a:avLst/>
+            </a:prstGeom>
+            <a:ln w="38100">
+              <a:solidFill>
+                <a:schemeClr val="accent1">
+                  <a:lumMod val="75000"/>
+                </a:schemeClr>
+              </a:solidFill>
+            </a:ln>
+          </p:spPr>
+          <p:style>
+            <a:lnRef idx="1">
+              <a:schemeClr val="accent1"/>
+            </a:lnRef>
+            <a:fillRef idx="0">
+              <a:schemeClr val="accent1"/>
+            </a:fillRef>
+            <a:effectRef idx="0">
+              <a:schemeClr val="accent1"/>
+            </a:effectRef>
+            <a:fontRef idx="minor">
+              <a:schemeClr val="tx1"/>
+            </a:fontRef>
+          </p:style>
+        </p:cxnSp>
+        <p:cxnSp>
+          <p:nvCxnSpPr>
+            <p:cNvPr id="11" name="Straight Connector 10"/>
+            <p:cNvCxnSpPr/>
+            <p:nvPr/>
+          </p:nvCxnSpPr>
+          <p:spPr>
+            <a:xfrm flipH="1">
+              <a:off x="5103223" y="4362994"/>
+              <a:ext cx="539931" cy="1297577"/>
+            </a:xfrm>
+            <a:prstGeom prst="line">
+              <a:avLst/>
+            </a:prstGeom>
+            <a:ln w="38100">
+              <a:solidFill>
+                <a:schemeClr val="accent1">
+                  <a:lumMod val="75000"/>
+                </a:schemeClr>
+              </a:solidFill>
+            </a:ln>
+          </p:spPr>
+          <p:style>
+            <a:lnRef idx="1">
+              <a:schemeClr val="accent1"/>
+            </a:lnRef>
+            <a:fillRef idx="0">
+              <a:schemeClr val="accent1"/>
+            </a:fillRef>
+            <a:effectRef idx="0">
+              <a:schemeClr val="accent1"/>
+            </a:effectRef>
+            <a:fontRef idx="minor">
+              <a:schemeClr val="tx1"/>
+            </a:fontRef>
+          </p:style>
+        </p:cxnSp>
+        <p:cxnSp>
+          <p:nvCxnSpPr>
+            <p:cNvPr id="13" name="Straight Connector 12"/>
+            <p:cNvCxnSpPr/>
+            <p:nvPr/>
+          </p:nvCxnSpPr>
+          <p:spPr>
+            <a:xfrm flipV="1">
+              <a:off x="5643154" y="3143794"/>
+              <a:ext cx="1036320" cy="304800"/>
+            </a:xfrm>
+            <a:prstGeom prst="line">
+              <a:avLst/>
+            </a:prstGeom>
+            <a:ln w="38100">
+              <a:solidFill>
+                <a:schemeClr val="accent1">
+                  <a:lumMod val="75000"/>
+                </a:schemeClr>
+              </a:solidFill>
+            </a:ln>
+          </p:spPr>
+          <p:style>
+            <a:lnRef idx="1">
+              <a:schemeClr val="accent1"/>
+            </a:lnRef>
+            <a:fillRef idx="0">
+              <a:schemeClr val="accent1"/>
+            </a:fillRef>
+            <a:effectRef idx="0">
+              <a:schemeClr val="accent1"/>
+            </a:effectRef>
+            <a:fontRef idx="minor">
+              <a:schemeClr val="tx1"/>
+            </a:fontRef>
+          </p:style>
+        </p:cxnSp>
+        <p:cxnSp>
+          <p:nvCxnSpPr>
+            <p:cNvPr id="15" name="Straight Connector 14"/>
+            <p:cNvCxnSpPr/>
+            <p:nvPr/>
+          </p:nvCxnSpPr>
+          <p:spPr>
+            <a:xfrm flipH="1" flipV="1">
+              <a:off x="4563292" y="3102428"/>
+              <a:ext cx="1079862" cy="346166"/>
+            </a:xfrm>
+            <a:prstGeom prst="line">
+              <a:avLst/>
+            </a:prstGeom>
+            <a:ln w="38100">
+              <a:solidFill>
+                <a:schemeClr val="accent1">
+                  <a:lumMod val="75000"/>
+                </a:schemeClr>
+              </a:solidFill>
+            </a:ln>
+          </p:spPr>
+          <p:style>
+            <a:lnRef idx="1">
+              <a:schemeClr val="accent1"/>
+            </a:lnRef>
+            <a:fillRef idx="0">
+              <a:schemeClr val="accent1"/>
+            </a:fillRef>
+            <a:effectRef idx="0">
+              <a:schemeClr val="accent1"/>
+            </a:effectRef>
+            <a:fontRef idx="minor">
+              <a:schemeClr val="tx1"/>
+            </a:fontRef>
+          </p:style>
+        </p:cxnSp>
+        <p:cxnSp>
+          <p:nvCxnSpPr>
+            <p:cNvPr id="19" name="Straight Connector 18"/>
+            <p:cNvCxnSpPr/>
+            <p:nvPr/>
+          </p:nvCxnSpPr>
+          <p:spPr>
+            <a:xfrm>
+              <a:off x="5643154" y="4362994"/>
+              <a:ext cx="518160" cy="1297577"/>
+            </a:xfrm>
+            <a:prstGeom prst="line">
+              <a:avLst/>
+            </a:prstGeom>
+            <a:ln w="38100">
+              <a:solidFill>
+                <a:schemeClr val="accent1">
+                  <a:lumMod val="75000"/>
+                </a:schemeClr>
+              </a:solidFill>
+            </a:ln>
+          </p:spPr>
+          <p:style>
+            <a:lnRef idx="1">
+              <a:schemeClr val="accent1"/>
+            </a:lnRef>
+            <a:fillRef idx="0">
+              <a:schemeClr val="accent1"/>
+            </a:fillRef>
+            <a:effectRef idx="0">
+              <a:schemeClr val="accent1"/>
+            </a:effectRef>
+            <a:fontRef idx="minor">
+              <a:schemeClr val="tx1"/>
+            </a:fontRef>
+          </p:style>
+        </p:cxnSp>
+      </p:grpSp>
+      <p:sp>
+        <p:nvSpPr>
+          <p:cNvPr id="22" name="Isosceles Triangle 21"/>
+          <p:cNvSpPr/>
+          <p:nvPr/>
+        </p:nvSpPr>
+        <p:spPr>
+          <a:xfrm rot="16200000">
+            <a:off x="534586" y="3249471"/>
+            <a:ext cx="718688" cy="1098368"/>
+          </a:xfrm>
+          <a:prstGeom prst="triangle">
+            <a:avLst/>
+          </a:prstGeom>
+        </p:spPr>
+        <p:style>
+          <a:lnRef idx="1">
+            <a:schemeClr val="dk1"/>
+          </a:lnRef>
+          <a:fillRef idx="2">
+            <a:schemeClr val="dk1"/>
+          </a:fillRef>
+          <a:effectRef idx="1">
+            <a:schemeClr val="dk1"/>
+          </a:effectRef>
+          <a:fontRef idx="minor">
+            <a:schemeClr val="dk1"/>
+          </a:fontRef>
+        </p:style>
+        <p:txBody>
+          <a:bodyPr rtlCol="0" anchor="ctr"/>
+          <a:lstStyle/>
+          <a:p>
+            <a:pPr algn="ctr"/>
+            <a:endParaRPr lang="en-US"/>
+          </a:p>
+        </p:txBody>
+      </p:sp>
+      <p:sp>
+        <p:nvSpPr>
+          <p:cNvPr id="24" name="Oval 23"/>
+          <p:cNvSpPr/>
+          <p:nvPr/>
+        </p:nvSpPr>
+        <p:spPr>
+          <a:xfrm>
+            <a:off x="8141482" y="699246"/>
+            <a:ext cx="2887385" cy="3533119"/>
+          </a:xfrm>
+          <a:prstGeom prst="ellipse">
+            <a:avLst/>
+          </a:prstGeom>
+          <a:ln w="38100"/>
+        </p:spPr>
+        <p:style>
+          <a:lnRef idx="1">
+            <a:schemeClr val="accent6"/>
+          </a:lnRef>
+          <a:fillRef idx="2">
+            <a:schemeClr val="accent6"/>
+          </a:fillRef>
+          <a:effectRef idx="1">
+            <a:schemeClr val="accent6"/>
+          </a:effectRef>
+          <a:fontRef idx="minor">
+            <a:schemeClr val="dk1"/>
+          </a:fontRef>
+        </p:style>
+        <p:txBody>
+          <a:bodyPr rtlCol="0" anchor="ctr"/>
+          <a:lstStyle/>
+          <a:p>
+            <a:pPr algn="ctr"/>
+            <a:endParaRPr lang="en-US"/>
+          </a:p>
+        </p:txBody>
+      </p:sp>
+      <p:sp>
+        <p:nvSpPr>
+          <p:cNvPr id="25" name="Oval 24"/>
+          <p:cNvSpPr/>
+          <p:nvPr/>
+        </p:nvSpPr>
+        <p:spPr>
+          <a:xfrm>
+            <a:off x="10406827" y="505094"/>
+            <a:ext cx="1519361" cy="4136572"/>
+          </a:xfrm>
+          <a:prstGeom prst="ellipse">
+            <a:avLst/>
+          </a:prstGeom>
+          <a:ln w="38100"/>
+        </p:spPr>
+        <p:style>
+          <a:lnRef idx="1">
+            <a:schemeClr val="accent6"/>
+          </a:lnRef>
+          <a:fillRef idx="2">
+            <a:schemeClr val="accent6"/>
+          </a:fillRef>
+          <a:effectRef idx="1">
+            <a:schemeClr val="accent6"/>
+          </a:effectRef>
+          <a:fontRef idx="minor">
+            <a:schemeClr val="dk1"/>
+          </a:fontRef>
+        </p:style>
+        <p:txBody>
+          <a:bodyPr rtlCol="0" anchor="ctr"/>
+          <a:lstStyle/>
+          <a:p>
+            <a:pPr algn="ctr"/>
+            <a:endParaRPr lang="en-US"/>
+          </a:p>
+        </p:txBody>
+      </p:sp>
+      <p:cxnSp>
+        <p:nvCxnSpPr>
+          <p:cNvPr id="28" name="Straight Connector 27"/>
+          <p:cNvCxnSpPr>
+            <a:stCxn id="26" idx="4"/>
+          </p:cNvCxnSpPr>
+          <p:nvPr/>
+        </p:nvCxnSpPr>
+        <p:spPr>
+          <a:xfrm>
+            <a:off x="2980465" y="5296743"/>
+            <a:ext cx="0" cy="286870"/>
+          </a:xfrm>
+          <a:prstGeom prst="line">
+            <a:avLst/>
+          </a:prstGeom>
+          <a:ln w="38100">
+            <a:solidFill>
+              <a:srgbClr val="00B050"/>
+            </a:solidFill>
+          </a:ln>
+        </p:spPr>
+        <p:style>
+          <a:lnRef idx="1">
+            <a:schemeClr val="accent2"/>
+          </a:lnRef>
+          <a:fillRef idx="0">
+            <a:schemeClr val="accent2"/>
+          </a:fillRef>
+          <a:effectRef idx="0">
+            <a:schemeClr val="accent2"/>
+          </a:effectRef>
+          <a:fontRef idx="minor">
+            <a:schemeClr val="tx1"/>
+          </a:fontRef>
+        </p:style>
+      </p:cxnSp>
+      <p:cxnSp>
+        <p:nvCxnSpPr>
+          <p:cNvPr id="33" name="Straight Connector 32"/>
+          <p:cNvCxnSpPr>
+            <a:stCxn id="24" idx="4"/>
+          </p:cNvCxnSpPr>
+          <p:nvPr/>
+        </p:nvCxnSpPr>
+        <p:spPr>
+          <a:xfrm flipH="1">
+            <a:off x="9582075" y="4232365"/>
+            <a:ext cx="3100" cy="1361611"/>
+          </a:xfrm>
+          <a:prstGeom prst="line">
+            <a:avLst/>
+          </a:prstGeom>
+          <a:ln w="38100">
+            <a:solidFill>
+              <a:schemeClr val="accent2">
+                <a:lumMod val="75000"/>
+              </a:schemeClr>
+            </a:solidFill>
+          </a:ln>
+        </p:spPr>
+        <p:style>
+          <a:lnRef idx="1">
+            <a:schemeClr val="accent2"/>
+          </a:lnRef>
+          <a:fillRef idx="0">
+            <a:schemeClr val="accent2"/>
+          </a:fillRef>
+          <a:effectRef idx="0">
+            <a:schemeClr val="accent2"/>
+          </a:effectRef>
+          <a:fontRef idx="minor">
+            <a:schemeClr val="tx1"/>
+          </a:fontRef>
+        </p:style>
+      </p:cxnSp>
+      <p:cxnSp>
+        <p:nvCxnSpPr>
+          <p:cNvPr id="40" name="Straight Connector 39"/>
+          <p:cNvCxnSpPr>
+            <a:stCxn id="25" idx="4"/>
+          </p:cNvCxnSpPr>
+          <p:nvPr/>
+        </p:nvCxnSpPr>
+        <p:spPr>
+          <a:xfrm flipH="1">
+            <a:off x="11166507" y="4641666"/>
+            <a:ext cx="1" cy="952310"/>
+          </a:xfrm>
+          <a:prstGeom prst="line">
+            <a:avLst/>
+          </a:prstGeom>
+          <a:ln w="38100">
+            <a:solidFill>
+              <a:schemeClr val="accent2">
+                <a:lumMod val="75000"/>
+              </a:schemeClr>
+            </a:solidFill>
+          </a:ln>
+        </p:spPr>
+        <p:style>
+          <a:lnRef idx="1">
+            <a:schemeClr val="accent2"/>
+          </a:lnRef>
+          <a:fillRef idx="0">
+            <a:schemeClr val="accent2"/>
+          </a:fillRef>
+          <a:effectRef idx="0">
+            <a:schemeClr val="accent2"/>
+          </a:effectRef>
+          <a:fontRef idx="minor">
+            <a:schemeClr val="tx1"/>
+          </a:fontRef>
+        </p:style>
+      </p:cxnSp>
+      <p:sp>
+        <p:nvSpPr>
+          <p:cNvPr id="43" name="TextBox 42"/>
+          <p:cNvSpPr txBox="1"/>
+          <p:nvPr/>
+        </p:nvSpPr>
+        <p:spPr>
+          <a:xfrm>
+            <a:off x="457395" y="5880847"/>
+            <a:ext cx="985719" cy="400110"/>
+          </a:xfrm>
+          <a:prstGeom prst="rect">
+            <a:avLst/>
+          </a:prstGeom>
+          <a:noFill/>
+        </p:spPr>
+        <p:txBody>
+          <a:bodyPr wrap="none" rtlCol="0">
+            <a:spAutoFit/>
+          </a:bodyPr>
+          <a:lstStyle/>
+          <a:p>
+            <a:r>
+              <a:rPr lang="en-US" sz="2000" dirty="0" smtClean="0"/>
+              <a:t>Camera</a:t>
+            </a:r>
+            <a:endParaRPr lang="en-US" sz="2000" dirty="0"/>
+          </a:p>
+        </p:txBody>
+      </p:sp>
+      <p:sp>
+        <p:nvSpPr>
+          <p:cNvPr id="44" name="TextBox 43"/>
+          <p:cNvSpPr txBox="1"/>
+          <p:nvPr/>
+        </p:nvSpPr>
+        <p:spPr>
+          <a:xfrm>
+            <a:off x="4988563" y="5880847"/>
+            <a:ext cx="1376402" cy="400110"/>
+          </a:xfrm>
+          <a:prstGeom prst="rect">
+            <a:avLst/>
+          </a:prstGeom>
+          <a:noFill/>
+        </p:spPr>
+        <p:txBody>
+          <a:bodyPr wrap="none" rtlCol="0">
+            <a:spAutoFit/>
+          </a:bodyPr>
+          <a:lstStyle/>
+          <a:p>
+            <a:r>
+              <a:rPr lang="en-US" sz="2000" dirty="0" smtClean="0"/>
+              <a:t>Onderwerp</a:t>
+            </a:r>
+            <a:endParaRPr lang="en-US" sz="2000" dirty="0"/>
+          </a:p>
+        </p:txBody>
+      </p:sp>
+      <p:sp>
+        <p:nvSpPr>
+          <p:cNvPr id="45" name="TextBox 44"/>
+          <p:cNvSpPr txBox="1"/>
+          <p:nvPr/>
+        </p:nvSpPr>
+        <p:spPr>
+          <a:xfrm>
+            <a:off x="9168832" y="5877587"/>
+            <a:ext cx="1483163" cy="400110"/>
+          </a:xfrm>
+          <a:prstGeom prst="rect">
+            <a:avLst/>
+          </a:prstGeom>
+          <a:noFill/>
+        </p:spPr>
+        <p:txBody>
+          <a:bodyPr wrap="none" rtlCol="0">
+            <a:spAutoFit/>
+          </a:bodyPr>
+          <a:lstStyle/>
+          <a:p>
+            <a:r>
+              <a:rPr lang="en-US" sz="2000" dirty="0" smtClean="0"/>
+              <a:t>Achtergrond</a:t>
+            </a:r>
+            <a:endParaRPr lang="en-US" sz="2000" dirty="0"/>
+          </a:p>
+        </p:txBody>
+      </p:sp>
+      <p:cxnSp>
+        <p:nvCxnSpPr>
+          <p:cNvPr id="49" name="Straight Connector 48"/>
+          <p:cNvCxnSpPr/>
+          <p:nvPr/>
+        </p:nvCxnSpPr>
+        <p:spPr>
+          <a:xfrm>
+            <a:off x="10404449" y="1936376"/>
+            <a:ext cx="0" cy="3657600"/>
+          </a:xfrm>
+          <a:prstGeom prst="line">
+            <a:avLst/>
+          </a:prstGeom>
+          <a:ln w="38100">
+            <a:solidFill>
+              <a:schemeClr val="tx1"/>
+            </a:solidFill>
+            <a:prstDash val="dash"/>
+          </a:ln>
+        </p:spPr>
+        <p:style>
+          <a:lnRef idx="1">
+            <a:schemeClr val="accent1"/>
+          </a:lnRef>
+          <a:fillRef idx="0">
+            <a:schemeClr val="accent1"/>
+          </a:fillRef>
+          <a:effectRef idx="0">
+            <a:schemeClr val="accent1"/>
+          </a:effectRef>
+          <a:fontRef idx="minor">
+            <a:schemeClr val="tx1"/>
+          </a:fontRef>
+        </p:style>
+      </p:cxnSp>
+      <p:sp>
+        <p:nvSpPr>
+          <p:cNvPr id="50" name="Left Brace 49"/>
+          <p:cNvSpPr/>
+          <p:nvPr/>
+        </p:nvSpPr>
+        <p:spPr>
+          <a:xfrm rot="5400000">
+            <a:off x="6395761" y="-2276388"/>
+            <a:ext cx="394447" cy="7627684"/>
+          </a:xfrm>
+          <a:prstGeom prst="leftBrace">
+            <a:avLst>
+              <a:gd name="adj1" fmla="val 58333"/>
+              <a:gd name="adj2" fmla="val 50838"/>
+            </a:avLst>
+          </a:prstGeom>
+          <a:ln w="38100">
+            <a:solidFill>
+              <a:schemeClr val="tx1"/>
+            </a:solidFill>
+          </a:ln>
+        </p:spPr>
+        <p:style>
+          <a:lnRef idx="1">
+            <a:schemeClr val="accent1"/>
+          </a:lnRef>
+          <a:fillRef idx="0">
+            <a:schemeClr val="accent1"/>
+          </a:fillRef>
+          <a:effectRef idx="0">
+            <a:schemeClr val="accent1"/>
+          </a:effectRef>
+          <a:fontRef idx="minor">
+            <a:schemeClr val="tx1"/>
+          </a:fontRef>
+        </p:style>
+        <p:txBody>
+          <a:bodyPr rtlCol="0" anchor="ctr"/>
+          <a:lstStyle/>
+          <a:p>
+            <a:pPr algn="ctr"/>
+            <a:endParaRPr lang="en-US"/>
+          </a:p>
+        </p:txBody>
+      </p:sp>
+      <p:sp>
+        <p:nvSpPr>
+          <p:cNvPr id="55" name="TextBox 54"/>
+          <p:cNvSpPr txBox="1"/>
+          <p:nvPr/>
+        </p:nvSpPr>
+        <p:spPr>
+          <a:xfrm>
+            <a:off x="641925" y="2036473"/>
+            <a:ext cx="1484381" cy="400110"/>
+          </a:xfrm>
+          <a:prstGeom prst="rect">
+            <a:avLst/>
+          </a:prstGeom>
+          <a:noFill/>
+        </p:spPr>
+        <p:txBody>
+          <a:bodyPr wrap="none" rtlCol="0">
+            <a:spAutoFit/>
+          </a:bodyPr>
+          <a:lstStyle/>
+          <a:p>
+            <a:r>
+              <a:rPr lang="en-US" sz="2000" dirty="0" smtClean="0"/>
+              <a:t>Niet in focus</a:t>
+            </a:r>
+            <a:endParaRPr lang="en-US" sz="2000" dirty="0"/>
+          </a:p>
+        </p:txBody>
+      </p:sp>
+      <p:sp>
+        <p:nvSpPr>
+          <p:cNvPr id="56" name="TextBox 55"/>
+          <p:cNvSpPr txBox="1"/>
+          <p:nvPr/>
+        </p:nvSpPr>
+        <p:spPr>
+          <a:xfrm>
+            <a:off x="5363611" y="582582"/>
+            <a:ext cx="2430217" cy="400110"/>
+          </a:xfrm>
+          <a:prstGeom prst="rect">
+            <a:avLst/>
+          </a:prstGeom>
+          <a:noFill/>
+        </p:spPr>
+        <p:txBody>
+          <a:bodyPr wrap="none" rtlCol="0">
+            <a:spAutoFit/>
+          </a:bodyPr>
+          <a:lstStyle/>
+          <a:p>
+            <a:r>
+              <a:rPr lang="en-US" sz="2000" dirty="0" smtClean="0"/>
+              <a:t>Grote scherptediepte</a:t>
+            </a:r>
+            <a:endParaRPr lang="en-US" sz="2000" dirty="0"/>
+          </a:p>
+        </p:txBody>
+      </p:sp>
+      <p:sp>
+        <p:nvSpPr>
+          <p:cNvPr id="57" name="TextBox 56"/>
+          <p:cNvSpPr txBox="1"/>
+          <p:nvPr/>
+        </p:nvSpPr>
+        <p:spPr>
+          <a:xfrm>
+            <a:off x="10520645" y="2036473"/>
+            <a:ext cx="1484381" cy="400110"/>
+          </a:xfrm>
+          <a:prstGeom prst="rect">
+            <a:avLst/>
+          </a:prstGeom>
+          <a:noFill/>
+        </p:spPr>
+        <p:txBody>
+          <a:bodyPr wrap="none" rtlCol="0">
+            <a:spAutoFit/>
+          </a:bodyPr>
+          <a:lstStyle/>
+          <a:p>
+            <a:r>
+              <a:rPr lang="en-US" sz="2000" dirty="0" smtClean="0"/>
+              <a:t>Niet in focus</a:t>
+            </a:r>
+            <a:endParaRPr lang="en-US" sz="2000" dirty="0"/>
+          </a:p>
+        </p:txBody>
+      </p:sp>
+      <p:sp>
+        <p:nvSpPr>
+          <p:cNvPr id="58" name="TextBox 57"/>
+          <p:cNvSpPr txBox="1"/>
+          <p:nvPr/>
+        </p:nvSpPr>
+        <p:spPr>
+          <a:xfrm>
+            <a:off x="5777878" y="2036473"/>
+            <a:ext cx="1452321" cy="400110"/>
+          </a:xfrm>
+          <a:prstGeom prst="rect">
+            <a:avLst/>
+          </a:prstGeom>
+          <a:noFill/>
+        </p:spPr>
+        <p:txBody>
+          <a:bodyPr wrap="none" rtlCol="0">
+            <a:spAutoFit/>
+          </a:bodyPr>
+          <a:lstStyle/>
+          <a:p>
+            <a:r>
+              <a:rPr lang="en-US" sz="2000" dirty="0" smtClean="0"/>
+              <a:t>Wel in focus</a:t>
+            </a:r>
+            <a:endParaRPr lang="en-US" sz="2000" dirty="0"/>
+          </a:p>
+        </p:txBody>
+      </p:sp>
+      <p:sp>
+        <p:nvSpPr>
+          <p:cNvPr id="26" name="Oval 25"/>
+          <p:cNvSpPr/>
+          <p:nvPr/>
+        </p:nvSpPr>
+        <p:spPr>
+          <a:xfrm>
+            <a:off x="2779144" y="4953543"/>
+            <a:ext cx="402642" cy="343200"/>
+          </a:xfrm>
+          <a:prstGeom prst="ellipse">
+            <a:avLst/>
+          </a:prstGeom>
+          <a:ln w="38100"/>
+        </p:spPr>
+        <p:style>
+          <a:lnRef idx="1">
+            <a:schemeClr val="accent2"/>
+          </a:lnRef>
+          <a:fillRef idx="2">
+            <a:schemeClr val="accent2"/>
+          </a:fillRef>
+          <a:effectRef idx="1">
+            <a:schemeClr val="accent2"/>
+          </a:effectRef>
+          <a:fontRef idx="minor">
+            <a:schemeClr val="dk1"/>
+          </a:fontRef>
+        </p:style>
+        <p:txBody>
+          <a:bodyPr rtlCol="0" anchor="ctr"/>
+          <a:lstStyle/>
+          <a:p>
+            <a:pPr algn="ctr"/>
+            <a:endParaRPr lang="en-US"/>
+          </a:p>
+        </p:txBody>
+      </p:sp>
+      <p:cxnSp>
+        <p:nvCxnSpPr>
+          <p:cNvPr id="68" name="Straight Connector 67"/>
+          <p:cNvCxnSpPr>
+            <a:stCxn id="69" idx="4"/>
+          </p:cNvCxnSpPr>
+          <p:nvPr/>
+        </p:nvCxnSpPr>
+        <p:spPr>
+          <a:xfrm>
+            <a:off x="3246845" y="5296743"/>
+            <a:ext cx="0" cy="286870"/>
+          </a:xfrm>
+          <a:prstGeom prst="line">
+            <a:avLst/>
+          </a:prstGeom>
+          <a:ln w="38100">
+            <a:solidFill>
+              <a:srgbClr val="00B050"/>
+            </a:solidFill>
+          </a:ln>
+        </p:spPr>
+        <p:style>
+          <a:lnRef idx="1">
+            <a:schemeClr val="accent2"/>
+          </a:lnRef>
+          <a:fillRef idx="0">
+            <a:schemeClr val="accent2"/>
+          </a:fillRef>
+          <a:effectRef idx="0">
+            <a:schemeClr val="accent2"/>
+          </a:effectRef>
+          <a:fontRef idx="minor">
+            <a:schemeClr val="tx1"/>
+          </a:fontRef>
+        </p:style>
+      </p:cxnSp>
+      <p:sp>
+        <p:nvSpPr>
+          <p:cNvPr id="69" name="Oval 68"/>
+          <p:cNvSpPr/>
+          <p:nvPr/>
+        </p:nvSpPr>
+        <p:spPr>
+          <a:xfrm>
+            <a:off x="3045524" y="4953543"/>
+            <a:ext cx="402642" cy="343200"/>
+          </a:xfrm>
+          <a:prstGeom prst="ellipse">
+            <a:avLst/>
+          </a:prstGeom>
+          <a:ln w="38100"/>
+        </p:spPr>
+        <p:style>
+          <a:lnRef idx="1">
+            <a:schemeClr val="accent2"/>
+          </a:lnRef>
+          <a:fillRef idx="2">
+            <a:schemeClr val="accent2"/>
+          </a:fillRef>
+          <a:effectRef idx="1">
+            <a:schemeClr val="accent2"/>
+          </a:effectRef>
+          <a:fontRef idx="minor">
+            <a:schemeClr val="dk1"/>
+          </a:fontRef>
+        </p:style>
+        <p:txBody>
+          <a:bodyPr rtlCol="0" anchor="ctr"/>
+          <a:lstStyle/>
+          <a:p>
+            <a:pPr algn="ctr"/>
+            <a:endParaRPr lang="en-US"/>
+          </a:p>
+        </p:txBody>
+      </p:sp>
+      <p:cxnSp>
+        <p:nvCxnSpPr>
+          <p:cNvPr id="70" name="Straight Connector 69"/>
+          <p:cNvCxnSpPr>
+            <a:stCxn id="71" idx="4"/>
+          </p:cNvCxnSpPr>
+          <p:nvPr/>
+        </p:nvCxnSpPr>
+        <p:spPr>
+          <a:xfrm>
+            <a:off x="3504450" y="5296743"/>
+            <a:ext cx="0" cy="286870"/>
+          </a:xfrm>
+          <a:prstGeom prst="line">
+            <a:avLst/>
+          </a:prstGeom>
+          <a:ln w="38100">
+            <a:solidFill>
+              <a:srgbClr val="00B050"/>
+            </a:solidFill>
+          </a:ln>
+        </p:spPr>
+        <p:style>
+          <a:lnRef idx="1">
+            <a:schemeClr val="accent2"/>
+          </a:lnRef>
+          <a:fillRef idx="0">
+            <a:schemeClr val="accent2"/>
+          </a:fillRef>
+          <a:effectRef idx="0">
+            <a:schemeClr val="accent2"/>
+          </a:effectRef>
+          <a:fontRef idx="minor">
+            <a:schemeClr val="tx1"/>
+          </a:fontRef>
+        </p:style>
+      </p:cxnSp>
+      <p:sp>
+        <p:nvSpPr>
+          <p:cNvPr id="71" name="Oval 70"/>
+          <p:cNvSpPr/>
+          <p:nvPr/>
+        </p:nvSpPr>
+        <p:spPr>
+          <a:xfrm>
+            <a:off x="3303129" y="4953543"/>
+            <a:ext cx="402642" cy="343200"/>
+          </a:xfrm>
+          <a:prstGeom prst="ellipse">
+            <a:avLst/>
+          </a:prstGeom>
+          <a:ln w="38100"/>
+        </p:spPr>
+        <p:style>
+          <a:lnRef idx="1">
+            <a:schemeClr val="accent2"/>
+          </a:lnRef>
+          <a:fillRef idx="2">
+            <a:schemeClr val="accent2"/>
+          </a:fillRef>
+          <a:effectRef idx="1">
+            <a:schemeClr val="accent2"/>
+          </a:effectRef>
+          <a:fontRef idx="minor">
+            <a:schemeClr val="dk1"/>
+          </a:fontRef>
+        </p:style>
+        <p:txBody>
+          <a:bodyPr rtlCol="0" anchor="ctr"/>
+          <a:lstStyle/>
+          <a:p>
+            <a:pPr algn="ctr"/>
+            <a:endParaRPr lang="en-US"/>
+          </a:p>
+        </p:txBody>
+      </p:sp>
+      <p:cxnSp>
+        <p:nvCxnSpPr>
+          <p:cNvPr id="30" name="Straight Connector 29"/>
+          <p:cNvCxnSpPr/>
+          <p:nvPr/>
+        </p:nvCxnSpPr>
+        <p:spPr>
+          <a:xfrm>
+            <a:off x="412376" y="5593976"/>
+            <a:ext cx="11537577" cy="0"/>
+          </a:xfrm>
+          <a:prstGeom prst="line">
+            <a:avLst/>
+          </a:prstGeom>
+          <a:ln w="38100">
+            <a:solidFill>
+              <a:schemeClr val="tx1"/>
+            </a:solidFill>
+          </a:ln>
+        </p:spPr>
+        <p:style>
+          <a:lnRef idx="1">
+            <a:schemeClr val="accent1"/>
+          </a:lnRef>
+          <a:fillRef idx="0">
+            <a:schemeClr val="accent1"/>
+          </a:fillRef>
+          <a:effectRef idx="0">
+            <a:schemeClr val="accent1"/>
+          </a:effectRef>
+          <a:fontRef idx="minor">
+            <a:schemeClr val="tx1"/>
+          </a:fontRef>
+        </p:style>
+      </p:cxnSp>
+      <p:sp>
+        <p:nvSpPr>
+          <p:cNvPr id="72" name="TextBox 71"/>
+          <p:cNvSpPr txBox="1"/>
+          <p:nvPr/>
+        </p:nvSpPr>
+        <p:spPr>
+          <a:xfrm>
+            <a:off x="2474257" y="5877587"/>
+            <a:ext cx="1285160" cy="400110"/>
+          </a:xfrm>
+          <a:prstGeom prst="rect">
+            <a:avLst/>
+          </a:prstGeom>
+          <a:noFill/>
+        </p:spPr>
+        <p:txBody>
+          <a:bodyPr wrap="none" rtlCol="0">
+            <a:spAutoFit/>
+          </a:bodyPr>
+          <a:lstStyle/>
+          <a:p>
+            <a:r>
+              <a:rPr lang="en-US" sz="2000" dirty="0" smtClean="0"/>
+              <a:t>Voorgrond</a:t>
+            </a:r>
+            <a:endParaRPr lang="en-US" sz="2000" dirty="0"/>
+          </a:p>
+        </p:txBody>
+      </p:sp>
+      <p:sp>
+        <p:nvSpPr>
+          <p:cNvPr id="73" name="Oval 72"/>
+          <p:cNvSpPr/>
+          <p:nvPr/>
+        </p:nvSpPr>
+        <p:spPr>
+          <a:xfrm>
+            <a:off x="7760701" y="2374078"/>
+            <a:ext cx="1519361" cy="2284546"/>
+          </a:xfrm>
+          <a:prstGeom prst="ellipse">
+            <a:avLst/>
+          </a:prstGeom>
+          <a:ln w="38100"/>
+        </p:spPr>
+        <p:style>
+          <a:lnRef idx="1">
+            <a:schemeClr val="accent6"/>
+          </a:lnRef>
+          <a:fillRef idx="2">
+            <a:schemeClr val="accent6"/>
+          </a:fillRef>
+          <a:effectRef idx="1">
+            <a:schemeClr val="accent6"/>
+          </a:effectRef>
+          <a:fontRef idx="minor">
+            <a:schemeClr val="dk1"/>
+          </a:fontRef>
+        </p:style>
+        <p:txBody>
+          <a:bodyPr rtlCol="0" anchor="ctr"/>
+          <a:lstStyle/>
+          <a:p>
+            <a:pPr algn="ctr"/>
+            <a:endParaRPr lang="en-US"/>
+          </a:p>
+        </p:txBody>
+      </p:sp>
+      <p:cxnSp>
+        <p:nvCxnSpPr>
+          <p:cNvPr id="74" name="Straight Connector 73"/>
+          <p:cNvCxnSpPr>
+            <a:stCxn id="73" idx="4"/>
+          </p:cNvCxnSpPr>
+          <p:nvPr/>
+        </p:nvCxnSpPr>
+        <p:spPr>
+          <a:xfrm>
+            <a:off x="8520382" y="4658624"/>
+            <a:ext cx="0" cy="952310"/>
+          </a:xfrm>
+          <a:prstGeom prst="line">
+            <a:avLst/>
+          </a:prstGeom>
+          <a:ln w="38100">
+            <a:solidFill>
+              <a:schemeClr val="accent2">
+                <a:lumMod val="75000"/>
+              </a:schemeClr>
+            </a:solidFill>
+          </a:ln>
+        </p:spPr>
+        <p:style>
+          <a:lnRef idx="1">
+            <a:schemeClr val="accent2"/>
+          </a:lnRef>
+          <a:fillRef idx="0">
+            <a:schemeClr val="accent2"/>
+          </a:fillRef>
+          <a:effectRef idx="0">
+            <a:schemeClr val="accent2"/>
+          </a:effectRef>
+          <a:fontRef idx="minor">
+            <a:schemeClr val="tx1"/>
+          </a:fontRef>
+        </p:style>
+      </p:cxnSp>
+      <p:cxnSp>
+        <p:nvCxnSpPr>
+          <p:cNvPr id="47" name="Straight Connector 46"/>
+          <p:cNvCxnSpPr/>
+          <p:nvPr/>
+        </p:nvCxnSpPr>
+        <p:spPr>
+          <a:xfrm>
+            <a:off x="2780589" y="1936376"/>
+            <a:ext cx="0" cy="3657600"/>
+          </a:xfrm>
+          <a:prstGeom prst="line">
+            <a:avLst/>
+          </a:prstGeom>
+          <a:ln w="38100">
+            <a:solidFill>
+              <a:schemeClr val="tx1"/>
+            </a:solidFill>
+            <a:prstDash val="dash"/>
+          </a:ln>
+        </p:spPr>
+        <p:style>
+          <a:lnRef idx="1">
+            <a:schemeClr val="accent1"/>
+          </a:lnRef>
+          <a:fillRef idx="0">
+            <a:schemeClr val="accent1"/>
+          </a:fillRef>
+          <a:effectRef idx="0">
+            <a:schemeClr val="accent1"/>
+          </a:effectRef>
+          <a:fontRef idx="minor">
+            <a:schemeClr val="tx1"/>
+          </a:fontRef>
+        </p:style>
+      </p:cxnSp>
+      <p:sp>
+        <p:nvSpPr>
+          <p:cNvPr id="35" name="TextBox 34"/>
+          <p:cNvSpPr txBox="1"/>
+          <p:nvPr/>
+        </p:nvSpPr>
+        <p:spPr>
+          <a:xfrm>
+            <a:off x="344746" y="288774"/>
+            <a:ext cx="4037708" cy="1015663"/>
+          </a:xfrm>
+          <a:prstGeom prst="rect">
+            <a:avLst/>
+          </a:prstGeom>
+        </p:spPr>
+        <p:style>
+          <a:lnRef idx="1">
+            <a:schemeClr val="accent5"/>
+          </a:lnRef>
+          <a:fillRef idx="3">
+            <a:schemeClr val="accent5"/>
+          </a:fillRef>
+          <a:effectRef idx="2">
+            <a:schemeClr val="accent5"/>
+          </a:effectRef>
+          <a:fontRef idx="minor">
+            <a:schemeClr val="lt1"/>
+          </a:fontRef>
+        </p:style>
+        <p:txBody>
+          <a:bodyPr wrap="none" rtlCol="0">
+            <a:spAutoFit/>
+          </a:bodyPr>
+          <a:lstStyle/>
+          <a:p>
+            <a:pPr marL="285750" indent="-285750">
+              <a:buFont typeface="Arial" panose="020B0604020202020204" pitchFamily="34" charset="0"/>
+              <a:buChar char="•"/>
+            </a:pPr>
+            <a:r>
+              <a:rPr lang="en-US" sz="2000" dirty="0" smtClean="0"/>
+              <a:t>Klein </a:t>
+            </a:r>
+            <a:r>
+              <a:rPr lang="en-US" sz="2000" dirty="0" err="1" smtClean="0"/>
+              <a:t>diafragma</a:t>
+            </a:r>
+            <a:r>
+              <a:rPr lang="en-US" sz="2000" dirty="0" smtClean="0"/>
+              <a:t> (</a:t>
+            </a:r>
+            <a:r>
+              <a:rPr lang="en-US" sz="2000" dirty="0" err="1" smtClean="0"/>
+              <a:t>hoog</a:t>
+            </a:r>
+            <a:r>
+              <a:rPr lang="en-US" sz="2000" dirty="0" smtClean="0"/>
+              <a:t> f-</a:t>
+            </a:r>
+            <a:r>
+              <a:rPr lang="en-US" sz="2000" dirty="0" err="1" smtClean="0"/>
+              <a:t>getal</a:t>
+            </a:r>
+            <a:r>
+              <a:rPr lang="en-US" sz="2000" dirty="0" smtClean="0"/>
+              <a:t>)</a:t>
+            </a:r>
+          </a:p>
+          <a:p>
+            <a:pPr marL="285750" indent="-285750">
+              <a:buFont typeface="Arial" panose="020B0604020202020204" pitchFamily="34" charset="0"/>
+              <a:buChar char="•"/>
+            </a:pPr>
+            <a:r>
+              <a:rPr lang="en-US" sz="2000" dirty="0" err="1" smtClean="0"/>
+              <a:t>Korte</a:t>
+            </a:r>
+            <a:r>
+              <a:rPr lang="en-US" sz="2000" dirty="0" smtClean="0"/>
+              <a:t> lens (</a:t>
+            </a:r>
+            <a:r>
+              <a:rPr lang="en-US" sz="2000" dirty="0" err="1" smtClean="0"/>
+              <a:t>laag</a:t>
+            </a:r>
+            <a:r>
+              <a:rPr lang="en-US" sz="2000" dirty="0" smtClean="0"/>
+              <a:t> </a:t>
+            </a:r>
+            <a:r>
+              <a:rPr lang="en-US" sz="2000" dirty="0" err="1" smtClean="0"/>
+              <a:t>brandpunt</a:t>
+            </a:r>
+            <a:r>
+              <a:rPr lang="en-US" sz="2000" dirty="0" smtClean="0"/>
+              <a:t> in mm)</a:t>
+            </a:r>
+          </a:p>
+          <a:p>
+            <a:pPr marL="285750" indent="-285750">
+              <a:buFont typeface="Arial" panose="020B0604020202020204" pitchFamily="34" charset="0"/>
+              <a:buChar char="•"/>
+            </a:pPr>
+            <a:r>
+              <a:rPr lang="en-US" sz="2000" dirty="0" smtClean="0"/>
+              <a:t>Lange </a:t>
+            </a:r>
+            <a:r>
+              <a:rPr lang="en-US" sz="2000" dirty="0" err="1" smtClean="0"/>
+              <a:t>afstand</a:t>
+            </a:r>
+            <a:r>
+              <a:rPr lang="en-US" sz="2000" dirty="0" smtClean="0"/>
+              <a:t> tot </a:t>
+            </a:r>
+            <a:r>
+              <a:rPr lang="en-US" sz="2000" dirty="0" err="1" smtClean="0"/>
+              <a:t>onderwerp</a:t>
+            </a:r>
+            <a:endParaRPr lang="en-US" sz="2000" dirty="0"/>
+          </a:p>
+        </p:txBody>
+      </p:sp>
+    </p:spTree>
+    <p:extLst>
+      <p:ext uri="{BB962C8B-B14F-4D97-AF65-F5344CB8AC3E}">
+        <p14:creationId xmlns:p14="http://schemas.microsoft.com/office/powerpoint/2010/main" val="2920797931"/>
+      </p:ext>
+    </p:extLst>
+  </p:cSld>
+  <p:clrMapOvr>
+    <a:masterClrMapping/>
+  </p:clrMapOvr>
+</p:sld>
+</file>
+
 <file path=ppt/theme/theme1.xml><?xml version="1.0" encoding="utf-8"?>
 <a:theme xmlns:a="http://schemas.openxmlformats.org/drawingml/2006/main" name="Office Theme">
   <a:themeElements>
